--- a/Live coding/Live Coding.pptx
+++ b/Live coding/Live Coding.pptx
@@ -4,9 +4,26 @@
   <p:sldMasterIdLst>
     <p:sldMasterId id="2147483660" r:id="rId1"/>
   </p:sldMasterIdLst>
+  <p:notesMasterIdLst>
+    <p:notesMasterId r:id="rId18"/>
+  </p:notesMasterIdLst>
   <p:sldIdLst>
     <p:sldId id="256" r:id="rId2"/>
-    <p:sldId id="273" r:id="rId3"/>
+    <p:sldId id="274" r:id="rId3"/>
+    <p:sldId id="273" r:id="rId4"/>
+    <p:sldId id="284" r:id="rId5"/>
+    <p:sldId id="275" r:id="rId6"/>
+    <p:sldId id="276" r:id="rId7"/>
+    <p:sldId id="277" r:id="rId8"/>
+    <p:sldId id="283" r:id="rId9"/>
+    <p:sldId id="278" r:id="rId10"/>
+    <p:sldId id="279" r:id="rId11"/>
+    <p:sldId id="285" r:id="rId12"/>
+    <p:sldId id="286" r:id="rId13"/>
+    <p:sldId id="287" r:id="rId14"/>
+    <p:sldId id="288" r:id="rId15"/>
+    <p:sldId id="289" r:id="rId16"/>
+    <p:sldId id="291" r:id="rId17"/>
   </p:sldIdLst>
   <p:sldSz cx="12192000" cy="6858000"/>
   <p:notesSz cx="6858000" cy="9144000"/>
@@ -111,6 +128,356 @@
     </p:ext>
   </p:extLst>
 </p:presentation>
+</file>
+
+<file path=ppt/notesMasters/notesMaster1.xml><?xml version="1.0" encoding="utf-8"?>
+<p:notesMaster xmlns:a="http://schemas.openxmlformats.org/drawingml/2006/main" xmlns:r="http://schemas.openxmlformats.org/officeDocument/2006/relationships" xmlns:p="http://schemas.openxmlformats.org/presentationml/2006/main">
+  <p:cSld>
+    <p:bg>
+      <p:bgRef idx="1001">
+        <a:schemeClr val="bg1"/>
+      </p:bgRef>
+    </p:bg>
+    <p:spTree>
+      <p:nvGrpSpPr>
+        <p:cNvPr id="1" name=""/>
+        <p:cNvGrpSpPr/>
+        <p:nvPr/>
+      </p:nvGrpSpPr>
+      <p:grpSpPr>
+        <a:xfrm>
+          <a:off x="0" y="0"/>
+          <a:ext cx="0" cy="0"/>
+          <a:chOff x="0" y="0"/>
+          <a:chExt cx="0" cy="0"/>
+        </a:xfrm>
+      </p:grpSpPr>
+      <p:sp>
+        <p:nvSpPr>
+          <p:cNvPr id="2" name="Espace réservé de l'en-tête 1"/>
+          <p:cNvSpPr>
+            <a:spLocks noGrp="1"/>
+          </p:cNvSpPr>
+          <p:nvPr>
+            <p:ph type="hdr" sz="quarter"/>
+          </p:nvPr>
+        </p:nvSpPr>
+        <p:spPr>
+          <a:xfrm>
+            <a:off x="0" y="0"/>
+            <a:ext cx="2971800" cy="458788"/>
+          </a:xfrm>
+          <a:prstGeom prst="rect">
+            <a:avLst/>
+          </a:prstGeom>
+        </p:spPr>
+        <p:txBody>
+          <a:bodyPr vert="horz" lIns="91440" tIns="45720" rIns="91440" bIns="45720" rtlCol="0"/>
+          <a:lstStyle>
+            <a:lvl1pPr algn="l">
+              <a:defRPr sz="1200"/>
+            </a:lvl1pPr>
+          </a:lstStyle>
+          <a:p>
+            <a:endParaRPr lang="fr-BE"/>
+          </a:p>
+        </p:txBody>
+      </p:sp>
+      <p:sp>
+        <p:nvSpPr>
+          <p:cNvPr id="3" name="Espace réservé de la date 2"/>
+          <p:cNvSpPr>
+            <a:spLocks noGrp="1"/>
+          </p:cNvSpPr>
+          <p:nvPr>
+            <p:ph type="dt" idx="1"/>
+          </p:nvPr>
+        </p:nvSpPr>
+        <p:spPr>
+          <a:xfrm>
+            <a:off x="3884613" y="0"/>
+            <a:ext cx="2971800" cy="458788"/>
+          </a:xfrm>
+          <a:prstGeom prst="rect">
+            <a:avLst/>
+          </a:prstGeom>
+        </p:spPr>
+        <p:txBody>
+          <a:bodyPr vert="horz" lIns="91440" tIns="45720" rIns="91440" bIns="45720" rtlCol="0"/>
+          <a:lstStyle>
+            <a:lvl1pPr algn="r">
+              <a:defRPr sz="1200"/>
+            </a:lvl1pPr>
+          </a:lstStyle>
+          <a:p>
+            <a:fld id="{BF3764D4-4E64-45B2-BDF9-164CD6C217A1}" type="datetimeFigureOut">
+              <a:rPr lang="fr-BE" smtClean="0"/>
+              <a:t>26-05-22</a:t>
+            </a:fld>
+            <a:endParaRPr lang="fr-BE"/>
+          </a:p>
+        </p:txBody>
+      </p:sp>
+      <p:sp>
+        <p:nvSpPr>
+          <p:cNvPr id="4" name="Espace réservé de l'image des diapositives 3"/>
+          <p:cNvSpPr>
+            <a:spLocks noGrp="1" noRot="1" noChangeAspect="1"/>
+          </p:cNvSpPr>
+          <p:nvPr>
+            <p:ph type="sldImg" idx="2"/>
+          </p:nvPr>
+        </p:nvSpPr>
+        <p:spPr>
+          <a:xfrm>
+            <a:off x="685800" y="1143000"/>
+            <a:ext cx="5486400" cy="3086100"/>
+          </a:xfrm>
+          <a:prstGeom prst="rect">
+            <a:avLst/>
+          </a:prstGeom>
+          <a:noFill/>
+          <a:ln w="12700">
+            <a:solidFill>
+              <a:prstClr val="black"/>
+            </a:solidFill>
+          </a:ln>
+        </p:spPr>
+        <p:txBody>
+          <a:bodyPr vert="horz" lIns="91440" tIns="45720" rIns="91440" bIns="45720" rtlCol="0" anchor="ctr"/>
+          <a:lstStyle/>
+          <a:p>
+            <a:endParaRPr lang="fr-BE"/>
+          </a:p>
+        </p:txBody>
+      </p:sp>
+      <p:sp>
+        <p:nvSpPr>
+          <p:cNvPr id="5" name="Espace réservé des notes 4"/>
+          <p:cNvSpPr>
+            <a:spLocks noGrp="1"/>
+          </p:cNvSpPr>
+          <p:nvPr>
+            <p:ph type="body" sz="quarter" idx="3"/>
+          </p:nvPr>
+        </p:nvSpPr>
+        <p:spPr>
+          <a:xfrm>
+            <a:off x="685800" y="4400550"/>
+            <a:ext cx="5486400" cy="3600450"/>
+          </a:xfrm>
+          <a:prstGeom prst="rect">
+            <a:avLst/>
+          </a:prstGeom>
+        </p:spPr>
+        <p:txBody>
+          <a:bodyPr vert="horz" lIns="91440" tIns="45720" rIns="91440" bIns="45720" rtlCol="0"/>
+          <a:lstStyle/>
+          <a:p>
+            <a:pPr lvl="0"/>
+            <a:r>
+              <a:rPr lang="fr-FR"/>
+              <a:t>Cliquez pour modifier les styles du texte du masque</a:t>
+            </a:r>
+          </a:p>
+          <a:p>
+            <a:pPr lvl="1"/>
+            <a:r>
+              <a:rPr lang="fr-FR"/>
+              <a:t>Deuxième niveau</a:t>
+            </a:r>
+          </a:p>
+          <a:p>
+            <a:pPr lvl="2"/>
+            <a:r>
+              <a:rPr lang="fr-FR"/>
+              <a:t>Troisième niveau</a:t>
+            </a:r>
+          </a:p>
+          <a:p>
+            <a:pPr lvl="3"/>
+            <a:r>
+              <a:rPr lang="fr-FR"/>
+              <a:t>Quatrième niveau</a:t>
+            </a:r>
+          </a:p>
+          <a:p>
+            <a:pPr lvl="4"/>
+            <a:r>
+              <a:rPr lang="fr-FR"/>
+              <a:t>Cinquième niveau</a:t>
+            </a:r>
+            <a:endParaRPr lang="fr-BE"/>
+          </a:p>
+        </p:txBody>
+      </p:sp>
+      <p:sp>
+        <p:nvSpPr>
+          <p:cNvPr id="6" name="Espace réservé du pied de page 5"/>
+          <p:cNvSpPr>
+            <a:spLocks noGrp="1"/>
+          </p:cNvSpPr>
+          <p:nvPr>
+            <p:ph type="ftr" sz="quarter" idx="4"/>
+          </p:nvPr>
+        </p:nvSpPr>
+        <p:spPr>
+          <a:xfrm>
+            <a:off x="0" y="8685213"/>
+            <a:ext cx="2971800" cy="458787"/>
+          </a:xfrm>
+          <a:prstGeom prst="rect">
+            <a:avLst/>
+          </a:prstGeom>
+        </p:spPr>
+        <p:txBody>
+          <a:bodyPr vert="horz" lIns="91440" tIns="45720" rIns="91440" bIns="45720" rtlCol="0" anchor="b"/>
+          <a:lstStyle>
+            <a:lvl1pPr algn="l">
+              <a:defRPr sz="1200"/>
+            </a:lvl1pPr>
+          </a:lstStyle>
+          <a:p>
+            <a:endParaRPr lang="fr-BE"/>
+          </a:p>
+        </p:txBody>
+      </p:sp>
+      <p:sp>
+        <p:nvSpPr>
+          <p:cNvPr id="7" name="Espace réservé du numéro de diapositive 6"/>
+          <p:cNvSpPr>
+            <a:spLocks noGrp="1"/>
+          </p:cNvSpPr>
+          <p:nvPr>
+            <p:ph type="sldNum" sz="quarter" idx="5"/>
+          </p:nvPr>
+        </p:nvSpPr>
+        <p:spPr>
+          <a:xfrm>
+            <a:off x="3884613" y="8685213"/>
+            <a:ext cx="2971800" cy="458787"/>
+          </a:xfrm>
+          <a:prstGeom prst="rect">
+            <a:avLst/>
+          </a:prstGeom>
+        </p:spPr>
+        <p:txBody>
+          <a:bodyPr vert="horz" lIns="91440" tIns="45720" rIns="91440" bIns="45720" rtlCol="0" anchor="b"/>
+          <a:lstStyle>
+            <a:lvl1pPr algn="r">
+              <a:defRPr sz="1200"/>
+            </a:lvl1pPr>
+          </a:lstStyle>
+          <a:p>
+            <a:fld id="{99BA4A03-E00B-4601-B29B-5ADFD44DA0CB}" type="slidenum">
+              <a:rPr lang="fr-BE" smtClean="0"/>
+              <a:t>‹N°›</a:t>
+            </a:fld>
+            <a:endParaRPr lang="fr-BE"/>
+          </a:p>
+        </p:txBody>
+      </p:sp>
+    </p:spTree>
+    <p:extLst>
+      <p:ext uri="{BB962C8B-B14F-4D97-AF65-F5344CB8AC3E}">
+        <p14:creationId xmlns:p14="http://schemas.microsoft.com/office/powerpoint/2010/main" val="3041162034"/>
+      </p:ext>
+    </p:extLst>
+  </p:cSld>
+  <p:clrMap bg1="lt1" tx1="dk1" bg2="lt2" tx2="dk2" accent1="accent1" accent2="accent2" accent3="accent3" accent4="accent4" accent5="accent5" accent6="accent6" hlink="hlink" folHlink="folHlink"/>
+  <p:notesStyle>
+    <a:lvl1pPr marL="0" algn="l" defTabSz="914400" rtl="0" eaLnBrk="1" latinLnBrk="0" hangingPunct="1">
+      <a:defRPr sz="1200" kern="1200">
+        <a:solidFill>
+          <a:schemeClr val="tx1"/>
+        </a:solidFill>
+        <a:latin typeface="+mn-lt"/>
+        <a:ea typeface="+mn-ea"/>
+        <a:cs typeface="+mn-cs"/>
+      </a:defRPr>
+    </a:lvl1pPr>
+    <a:lvl2pPr marL="457200" algn="l" defTabSz="914400" rtl="0" eaLnBrk="1" latinLnBrk="0" hangingPunct="1">
+      <a:defRPr sz="1200" kern="1200">
+        <a:solidFill>
+          <a:schemeClr val="tx1"/>
+        </a:solidFill>
+        <a:latin typeface="+mn-lt"/>
+        <a:ea typeface="+mn-ea"/>
+        <a:cs typeface="+mn-cs"/>
+      </a:defRPr>
+    </a:lvl2pPr>
+    <a:lvl3pPr marL="914400" algn="l" defTabSz="914400" rtl="0" eaLnBrk="1" latinLnBrk="0" hangingPunct="1">
+      <a:defRPr sz="1200" kern="1200">
+        <a:solidFill>
+          <a:schemeClr val="tx1"/>
+        </a:solidFill>
+        <a:latin typeface="+mn-lt"/>
+        <a:ea typeface="+mn-ea"/>
+        <a:cs typeface="+mn-cs"/>
+      </a:defRPr>
+    </a:lvl3pPr>
+    <a:lvl4pPr marL="1371600" algn="l" defTabSz="914400" rtl="0" eaLnBrk="1" latinLnBrk="0" hangingPunct="1">
+      <a:defRPr sz="1200" kern="1200">
+        <a:solidFill>
+          <a:schemeClr val="tx1"/>
+        </a:solidFill>
+        <a:latin typeface="+mn-lt"/>
+        <a:ea typeface="+mn-ea"/>
+        <a:cs typeface="+mn-cs"/>
+      </a:defRPr>
+    </a:lvl4pPr>
+    <a:lvl5pPr marL="1828800" algn="l" defTabSz="914400" rtl="0" eaLnBrk="1" latinLnBrk="0" hangingPunct="1">
+      <a:defRPr sz="1200" kern="1200">
+        <a:solidFill>
+          <a:schemeClr val="tx1"/>
+        </a:solidFill>
+        <a:latin typeface="+mn-lt"/>
+        <a:ea typeface="+mn-ea"/>
+        <a:cs typeface="+mn-cs"/>
+      </a:defRPr>
+    </a:lvl5pPr>
+    <a:lvl6pPr marL="2286000" algn="l" defTabSz="914400" rtl="0" eaLnBrk="1" latinLnBrk="0" hangingPunct="1">
+      <a:defRPr sz="1200" kern="1200">
+        <a:solidFill>
+          <a:schemeClr val="tx1"/>
+        </a:solidFill>
+        <a:latin typeface="+mn-lt"/>
+        <a:ea typeface="+mn-ea"/>
+        <a:cs typeface="+mn-cs"/>
+      </a:defRPr>
+    </a:lvl6pPr>
+    <a:lvl7pPr marL="2743200" algn="l" defTabSz="914400" rtl="0" eaLnBrk="1" latinLnBrk="0" hangingPunct="1">
+      <a:defRPr sz="1200" kern="1200">
+        <a:solidFill>
+          <a:schemeClr val="tx1"/>
+        </a:solidFill>
+        <a:latin typeface="+mn-lt"/>
+        <a:ea typeface="+mn-ea"/>
+        <a:cs typeface="+mn-cs"/>
+      </a:defRPr>
+    </a:lvl7pPr>
+    <a:lvl8pPr marL="3200400" algn="l" defTabSz="914400" rtl="0" eaLnBrk="1" latinLnBrk="0" hangingPunct="1">
+      <a:defRPr sz="1200" kern="1200">
+        <a:solidFill>
+          <a:schemeClr val="tx1"/>
+        </a:solidFill>
+        <a:latin typeface="+mn-lt"/>
+        <a:ea typeface="+mn-ea"/>
+        <a:cs typeface="+mn-cs"/>
+      </a:defRPr>
+    </a:lvl8pPr>
+    <a:lvl9pPr marL="3657600" algn="l" defTabSz="914400" rtl="0" eaLnBrk="1" latinLnBrk="0" hangingPunct="1">
+      <a:defRPr sz="1200" kern="1200">
+        <a:solidFill>
+          <a:schemeClr val="tx1"/>
+        </a:solidFill>
+        <a:latin typeface="+mn-lt"/>
+        <a:ea typeface="+mn-ea"/>
+        <a:cs typeface="+mn-cs"/>
+      </a:defRPr>
+    </a:lvl9pPr>
+  </p:notesStyle>
+</p:notesMaster>
 </file>
 
 <file path=ppt/slideLayouts/slideLayout1.xml><?xml version="1.0" encoding="utf-8"?>
@@ -442,9 +809,9 @@
           <a:bodyPr/>
           <a:lstStyle/>
           <a:p>
-            <a:fld id="{E3F97E9A-75A1-4AA7-A99F-5FAAFF79AF49}" type="datetimeFigureOut">
+            <a:fld id="{4A5D94EA-BCF9-48A1-999D-A0EC75DA35E1}" type="datetime1">
               <a:rPr lang="fr-BE" smtClean="0"/>
-              <a:t>07-05-22</a:t>
+              <a:t>26-05-22</a:t>
             </a:fld>
             <a:endParaRPr lang="fr-BE"/>
           </a:p>
@@ -470,7 +837,10 @@
           <a:bodyPr/>
           <a:lstStyle/>
           <a:p>
-            <a:endParaRPr lang="fr-BE"/>
+            <a:r>
+              <a:rPr lang="fr-BE"/>
+              <a:t>Live coding sur le machine learning</a:t>
+            </a:r>
           </a:p>
         </p:txBody>
       </p:sp>
@@ -766,9 +1136,9 @@
           <a:bodyPr/>
           <a:lstStyle/>
           <a:p>
-            <a:fld id="{E3F97E9A-75A1-4AA7-A99F-5FAAFF79AF49}" type="datetimeFigureOut">
+            <a:fld id="{FF8DC795-2CF0-4D5B-ABC9-C1DC81471062}" type="datetime1">
               <a:rPr lang="fr-BE" smtClean="0"/>
-              <a:t>07-05-22</a:t>
+              <a:t>26-05-22</a:t>
             </a:fld>
             <a:endParaRPr lang="fr-BE"/>
           </a:p>
@@ -789,7 +1159,10 @@
           <a:bodyPr/>
           <a:lstStyle/>
           <a:p>
-            <a:endParaRPr lang="fr-BE"/>
+            <a:r>
+              <a:rPr lang="fr-BE"/>
+              <a:t>Live coding sur le machine learning</a:t>
+            </a:r>
           </a:p>
         </p:txBody>
       </p:sp>
@@ -1014,9 +1387,9 @@
           <a:bodyPr/>
           <a:lstStyle/>
           <a:p>
-            <a:fld id="{E3F97E9A-75A1-4AA7-A99F-5FAAFF79AF49}" type="datetimeFigureOut">
+            <a:fld id="{11CC3B9F-9080-4453-964D-5D6122056C24}" type="datetime1">
               <a:rPr lang="fr-BE" smtClean="0"/>
-              <a:t>07-05-22</a:t>
+              <a:t>26-05-22</a:t>
             </a:fld>
             <a:endParaRPr lang="fr-BE"/>
           </a:p>
@@ -1037,7 +1410,10 @@
           <a:bodyPr/>
           <a:lstStyle/>
           <a:p>
-            <a:endParaRPr lang="fr-BE"/>
+            <a:r>
+              <a:rPr lang="fr-BE"/>
+              <a:t>Live coding sur le machine learning</a:t>
+            </a:r>
           </a:p>
         </p:txBody>
       </p:sp>
@@ -1353,9 +1729,9 @@
           <a:bodyPr/>
           <a:lstStyle/>
           <a:p>
-            <a:fld id="{E3F97E9A-75A1-4AA7-A99F-5FAAFF79AF49}" type="datetimeFigureOut">
+            <a:fld id="{70FB3E3A-7877-4A01-99DC-F9CD7F735DCE}" type="datetime1">
               <a:rPr lang="fr-BE" smtClean="0"/>
-              <a:t>07-05-22</a:t>
+              <a:t>26-05-22</a:t>
             </a:fld>
             <a:endParaRPr lang="fr-BE"/>
           </a:p>
@@ -1376,7 +1752,10 @@
           <a:bodyPr/>
           <a:lstStyle/>
           <a:p>
-            <a:endParaRPr lang="fr-BE"/>
+            <a:r>
+              <a:rPr lang="fr-BE"/>
+              <a:t>Live coding sur le machine learning</a:t>
+            </a:r>
           </a:p>
         </p:txBody>
       </p:sp>
@@ -1700,9 +2079,9 @@
           <a:bodyPr/>
           <a:lstStyle/>
           <a:p>
-            <a:fld id="{E3F97E9A-75A1-4AA7-A99F-5FAAFF79AF49}" type="datetimeFigureOut">
+            <a:fld id="{92DAC337-C5C6-4D33-9792-F5598B819007}" type="datetime1">
               <a:rPr lang="fr-BE" smtClean="0"/>
-              <a:t>07-05-22</a:t>
+              <a:t>26-05-22</a:t>
             </a:fld>
             <a:endParaRPr lang="fr-BE"/>
           </a:p>
@@ -1723,7 +2102,10 @@
           <a:bodyPr/>
           <a:lstStyle/>
           <a:p>
-            <a:endParaRPr lang="fr-BE"/>
+            <a:r>
+              <a:rPr lang="fr-BE"/>
+              <a:t>Live coding sur le machine learning</a:t>
+            </a:r>
           </a:p>
         </p:txBody>
       </p:sp>
@@ -2074,9 +2456,9 @@
           <a:bodyPr/>
           <a:lstStyle/>
           <a:p>
-            <a:fld id="{E3F97E9A-75A1-4AA7-A99F-5FAAFF79AF49}" type="datetimeFigureOut">
+            <a:fld id="{86669496-D6C0-4328-B34A-01FC0A73A04A}" type="datetime1">
               <a:rPr lang="fr-BE" smtClean="0"/>
-              <a:t>07-05-22</a:t>
+              <a:t>26-05-22</a:t>
             </a:fld>
             <a:endParaRPr lang="fr-BE"/>
           </a:p>
@@ -2097,7 +2479,10 @@
           <a:bodyPr/>
           <a:lstStyle/>
           <a:p>
-            <a:endParaRPr lang="fr-BE"/>
+            <a:r>
+              <a:rPr lang="fr-BE"/>
+              <a:t>Live coding sur le machine learning</a:t>
+            </a:r>
           </a:p>
         </p:txBody>
       </p:sp>
@@ -2544,9 +2929,9 @@
           <a:bodyPr/>
           <a:lstStyle/>
           <a:p>
-            <a:fld id="{E3F97E9A-75A1-4AA7-A99F-5FAAFF79AF49}" type="datetimeFigureOut">
+            <a:fld id="{5A389DF7-B990-429D-B356-CFEDF98DF52A}" type="datetime1">
               <a:rPr lang="fr-BE" smtClean="0"/>
-              <a:t>07-05-22</a:t>
+              <a:t>26-05-22</a:t>
             </a:fld>
             <a:endParaRPr lang="fr-BE"/>
           </a:p>
@@ -2567,7 +2952,10 @@
           <a:bodyPr/>
           <a:lstStyle/>
           <a:p>
-            <a:endParaRPr lang="fr-BE"/>
+            <a:r>
+              <a:rPr lang="fr-BE"/>
+              <a:t>Live coding sur le machine learning</a:t>
+            </a:r>
           </a:p>
         </p:txBody>
       </p:sp>
@@ -2749,9 +3137,9 @@
           <a:bodyPr/>
           <a:lstStyle/>
           <a:p>
-            <a:fld id="{E3F97E9A-75A1-4AA7-A99F-5FAAFF79AF49}" type="datetimeFigureOut">
+            <a:fld id="{A834DDB5-76D8-4694-8F7A-2D254C7C1CBB}" type="datetime1">
               <a:rPr lang="fr-BE" smtClean="0"/>
-              <a:t>07-05-22</a:t>
+              <a:t>26-05-22</a:t>
             </a:fld>
             <a:endParaRPr lang="fr-BE"/>
           </a:p>
@@ -2772,7 +3160,10 @@
           <a:bodyPr/>
           <a:lstStyle/>
           <a:p>
-            <a:endParaRPr lang="fr-BE"/>
+            <a:r>
+              <a:rPr lang="fr-BE"/>
+              <a:t>Live coding sur le machine learning</a:t>
+            </a:r>
           </a:p>
         </p:txBody>
       </p:sp>
@@ -2960,9 +3351,9 @@
           <a:bodyPr/>
           <a:lstStyle/>
           <a:p>
-            <a:fld id="{E3F97E9A-75A1-4AA7-A99F-5FAAFF79AF49}" type="datetimeFigureOut">
+            <a:fld id="{7BC3B6FB-D8F7-42ED-B31F-6B1E8EBCF7F1}" type="datetime1">
               <a:rPr lang="fr-BE" smtClean="0"/>
-              <a:t>07-05-22</a:t>
+              <a:t>26-05-22</a:t>
             </a:fld>
             <a:endParaRPr lang="fr-BE"/>
           </a:p>
@@ -2983,7 +3374,10 @@
           <a:bodyPr/>
           <a:lstStyle/>
           <a:p>
-            <a:endParaRPr lang="fr-BE"/>
+            <a:r>
+              <a:rPr lang="fr-BE"/>
+              <a:t>Live coding sur le machine learning</a:t>
+            </a:r>
           </a:p>
         </p:txBody>
       </p:sp>
@@ -3192,9 +3586,9 @@
           <a:bodyPr/>
           <a:lstStyle/>
           <a:p>
-            <a:fld id="{E3F97E9A-75A1-4AA7-A99F-5FAAFF79AF49}" type="datetimeFigureOut">
+            <a:fld id="{020FFF4E-EE05-4BB3-A256-A195D98EC7C1}" type="datetime1">
               <a:rPr lang="fr-BE" smtClean="0"/>
-              <a:t>07-05-22</a:t>
+              <a:t>26-05-22</a:t>
             </a:fld>
             <a:endParaRPr lang="fr-BE"/>
           </a:p>
@@ -3215,7 +3609,10 @@
           <a:bodyPr/>
           <a:lstStyle/>
           <a:p>
-            <a:endParaRPr lang="fr-BE"/>
+            <a:r>
+              <a:rPr lang="fr-BE"/>
+              <a:t>Live coding sur le machine learning</a:t>
+            </a:r>
           </a:p>
         </p:txBody>
       </p:sp>
@@ -3440,9 +3837,9 @@
           <a:bodyPr/>
           <a:lstStyle/>
           <a:p>
-            <a:fld id="{E3F97E9A-75A1-4AA7-A99F-5FAAFF79AF49}" type="datetimeFigureOut">
+            <a:fld id="{6952CBFC-C907-405D-82EF-8C6260B74612}" type="datetime1">
               <a:rPr lang="fr-BE" smtClean="0"/>
-              <a:t>07-05-22</a:t>
+              <a:t>26-05-22</a:t>
             </a:fld>
             <a:endParaRPr lang="fr-BE"/>
           </a:p>
@@ -3463,7 +3860,10 @@
           <a:bodyPr/>
           <a:lstStyle/>
           <a:p>
-            <a:endParaRPr lang="fr-BE"/>
+            <a:r>
+              <a:rPr lang="fr-BE"/>
+              <a:t>Live coding sur le machine learning</a:t>
+            </a:r>
           </a:p>
         </p:txBody>
       </p:sp>
@@ -3738,9 +4138,9 @@
           <a:bodyPr/>
           <a:lstStyle/>
           <a:p>
-            <a:fld id="{E3F97E9A-75A1-4AA7-A99F-5FAAFF79AF49}" type="datetimeFigureOut">
+            <a:fld id="{AE418D5B-6C0B-43F7-A2FF-25B285C2343F}" type="datetime1">
               <a:rPr lang="fr-BE" smtClean="0"/>
-              <a:t>07-05-22</a:t>
+              <a:t>26-05-22</a:t>
             </a:fld>
             <a:endParaRPr lang="fr-BE"/>
           </a:p>
@@ -3761,7 +4161,10 @@
           <a:bodyPr/>
           <a:lstStyle/>
           <a:p>
-            <a:endParaRPr lang="fr-BE"/>
+            <a:r>
+              <a:rPr lang="fr-BE"/>
+              <a:t>Live coding sur le machine learning</a:t>
+            </a:r>
           </a:p>
         </p:txBody>
       </p:sp>
@@ -4132,9 +4535,9 @@
           <a:bodyPr/>
           <a:lstStyle/>
           <a:p>
-            <a:fld id="{E3F97E9A-75A1-4AA7-A99F-5FAAFF79AF49}" type="datetimeFigureOut">
+            <a:fld id="{7B4258D5-1559-4CF0-8480-50DFEB58078F}" type="datetime1">
               <a:rPr lang="fr-BE" smtClean="0"/>
-              <a:t>07-05-22</a:t>
+              <a:t>26-05-22</a:t>
             </a:fld>
             <a:endParaRPr lang="fr-BE"/>
           </a:p>
@@ -4155,7 +4558,10 @@
           <a:bodyPr/>
           <a:lstStyle/>
           <a:p>
-            <a:endParaRPr lang="fr-BE"/>
+            <a:r>
+              <a:rPr lang="fr-BE"/>
+              <a:t>Live coding sur le machine learning</a:t>
+            </a:r>
           </a:p>
         </p:txBody>
       </p:sp>
@@ -4281,9 +4687,9 @@
           <a:bodyPr/>
           <a:lstStyle/>
           <a:p>
-            <a:fld id="{E3F97E9A-75A1-4AA7-A99F-5FAAFF79AF49}" type="datetimeFigureOut">
+            <a:fld id="{79E2E285-21D7-4B1D-B9AD-1AD276EE9D84}" type="datetime1">
               <a:rPr lang="fr-BE" smtClean="0"/>
-              <a:t>07-05-22</a:t>
+              <a:t>26-05-22</a:t>
             </a:fld>
             <a:endParaRPr lang="fr-BE"/>
           </a:p>
@@ -4304,7 +4710,10 @@
           <a:bodyPr/>
           <a:lstStyle/>
           <a:p>
-            <a:endParaRPr lang="fr-BE"/>
+            <a:r>
+              <a:rPr lang="fr-BE"/>
+              <a:t>Live coding sur le machine learning</a:t>
+            </a:r>
           </a:p>
         </p:txBody>
       </p:sp>
@@ -4407,9 +4816,9 @@
           <a:bodyPr/>
           <a:lstStyle/>
           <a:p>
-            <a:fld id="{E3F97E9A-75A1-4AA7-A99F-5FAAFF79AF49}" type="datetimeFigureOut">
+            <a:fld id="{5CBABADD-1982-409A-8A2C-FF738E03A154}" type="datetime1">
               <a:rPr lang="fr-BE" smtClean="0"/>
-              <a:t>07-05-22</a:t>
+              <a:t>26-05-22</a:t>
             </a:fld>
             <a:endParaRPr lang="fr-BE"/>
           </a:p>
@@ -4430,7 +4839,10 @@
           <a:bodyPr/>
           <a:lstStyle/>
           <a:p>
-            <a:endParaRPr lang="fr-BE"/>
+            <a:r>
+              <a:rPr lang="fr-BE"/>
+              <a:t>Live coding sur le machine learning</a:t>
+            </a:r>
           </a:p>
         </p:txBody>
       </p:sp>
@@ -4662,9 +5074,9 @@
           <a:bodyPr/>
           <a:lstStyle/>
           <a:p>
-            <a:fld id="{E3F97E9A-75A1-4AA7-A99F-5FAAFF79AF49}" type="datetimeFigureOut">
+            <a:fld id="{15805D36-1150-4CB3-A2BB-551E980C9D4E}" type="datetime1">
               <a:rPr lang="fr-BE" smtClean="0"/>
-              <a:t>07-05-22</a:t>
+              <a:t>26-05-22</a:t>
             </a:fld>
             <a:endParaRPr lang="fr-BE"/>
           </a:p>
@@ -4685,7 +5097,10 @@
           <a:bodyPr/>
           <a:lstStyle/>
           <a:p>
-            <a:endParaRPr lang="fr-BE"/>
+            <a:r>
+              <a:rPr lang="fr-BE"/>
+              <a:t>Live coding sur le machine learning</a:t>
+            </a:r>
           </a:p>
         </p:txBody>
       </p:sp>
@@ -4977,9 +5392,9 @@
           <a:bodyPr/>
           <a:lstStyle/>
           <a:p>
-            <a:fld id="{E3F97E9A-75A1-4AA7-A99F-5FAAFF79AF49}" type="datetimeFigureOut">
+            <a:fld id="{18DDB131-F5E7-4295-8DFD-EFB10B9EFF60}" type="datetime1">
               <a:rPr lang="fr-BE" smtClean="0"/>
-              <a:t>07-05-22</a:t>
+              <a:t>26-05-22</a:t>
             </a:fld>
             <a:endParaRPr lang="fr-BE"/>
           </a:p>
@@ -5000,7 +5415,10 @@
           <a:bodyPr/>
           <a:lstStyle/>
           <a:p>
-            <a:endParaRPr lang="fr-BE"/>
+            <a:r>
+              <a:rPr lang="fr-BE"/>
+              <a:t>Live coding sur le machine learning</a:t>
+            </a:r>
           </a:p>
         </p:txBody>
       </p:sp>
@@ -5328,9 +5746,9 @@
             </a:lvl1pPr>
           </a:lstStyle>
           <a:p>
-            <a:fld id="{E3F97E9A-75A1-4AA7-A99F-5FAAFF79AF49}" type="datetimeFigureOut">
+            <a:fld id="{AA044C98-059A-4A79-982F-E52EAF5B3BAB}" type="datetime1">
               <a:rPr lang="fr-BE" smtClean="0"/>
-              <a:t>07-05-22</a:t>
+              <a:t>26-05-22</a:t>
             </a:fld>
             <a:endParaRPr lang="fr-BE"/>
           </a:p>
@@ -5369,7 +5787,10 @@
             </a:lvl1pPr>
           </a:lstStyle>
           <a:p>
-            <a:endParaRPr lang="fr-BE"/>
+            <a:r>
+              <a:rPr lang="fr-BE"/>
+              <a:t>Live coding sur le machine learning</a:t>
+            </a:r>
           </a:p>
         </p:txBody>
       </p:sp>
@@ -5441,6 +5862,7 @@
     <p:sldLayoutId id="2147483676" r:id="rId16"/>
     <p:sldLayoutId id="2147483677" r:id="rId17"/>
   </p:sldLayoutIdLst>
+  <p:hf hdr="0" dt="0"/>
   <p:txStyles>
     <p:titleStyle>
       <a:lvl1pPr algn="ctr" defTabSz="457200" rtl="0" eaLnBrk="1" latinLnBrk="0" hangingPunct="1">
@@ -5965,10 +6387,1661 @@
           </a:prstGeom>
         </p:spPr>
       </p:pic>
+      <p:sp>
+        <p:nvSpPr>
+          <p:cNvPr id="5" name="Espace réservé du pied de page 4">
+            <a:extLst>
+              <a:ext uri="{FF2B5EF4-FFF2-40B4-BE49-F238E27FC236}">
+                <a16:creationId xmlns:a16="http://schemas.microsoft.com/office/drawing/2014/main" id="{9B52A164-EA8B-4526-9C8E-048BB8F6836B}"/>
+              </a:ext>
+            </a:extLst>
+          </p:cNvPr>
+          <p:cNvSpPr>
+            <a:spLocks noGrp="1"/>
+          </p:cNvSpPr>
+          <p:nvPr>
+            <p:ph type="ftr" sz="quarter" idx="11"/>
+          </p:nvPr>
+        </p:nvSpPr>
+        <p:spPr/>
+        <p:txBody>
+          <a:bodyPr/>
+          <a:lstStyle/>
+          <a:p>
+            <a:r>
+              <a:rPr lang="fr-BE"/>
+              <a:t>Live coding sur le machine learning</a:t>
+            </a:r>
+          </a:p>
+        </p:txBody>
+      </p:sp>
+      <p:sp>
+        <p:nvSpPr>
+          <p:cNvPr id="6" name="Espace réservé du numéro de diapositive 5">
+            <a:extLst>
+              <a:ext uri="{FF2B5EF4-FFF2-40B4-BE49-F238E27FC236}">
+                <a16:creationId xmlns:a16="http://schemas.microsoft.com/office/drawing/2014/main" id="{FAAFBD12-401A-4C48-BFAE-5E2E596E2204}"/>
+              </a:ext>
+            </a:extLst>
+          </p:cNvPr>
+          <p:cNvSpPr>
+            <a:spLocks noGrp="1"/>
+          </p:cNvSpPr>
+          <p:nvPr>
+            <p:ph type="sldNum" sz="quarter" idx="12"/>
+          </p:nvPr>
+        </p:nvSpPr>
+        <p:spPr/>
+        <p:txBody>
+          <a:bodyPr/>
+          <a:lstStyle/>
+          <a:p>
+            <a:fld id="{1786CA3C-090E-4C54-8D23-EF251525DFE6}" type="slidenum">
+              <a:rPr lang="fr-BE" smtClean="0"/>
+              <a:t>1</a:t>
+            </a:fld>
+            <a:endParaRPr lang="fr-BE"/>
+          </a:p>
+        </p:txBody>
+      </p:sp>
     </p:spTree>
     <p:extLst>
       <p:ext uri="{BB962C8B-B14F-4D97-AF65-F5344CB8AC3E}">
         <p14:creationId xmlns:p14="http://schemas.microsoft.com/office/powerpoint/2010/main" val="1289613573"/>
+      </p:ext>
+    </p:extLst>
+  </p:cSld>
+  <p:clrMapOvr>
+    <a:masterClrMapping/>
+  </p:clrMapOvr>
+</p:sld>
+</file>
+
+<file path=ppt/slides/slide10.xml><?xml version="1.0" encoding="utf-8"?>
+<p:sld xmlns:a="http://schemas.openxmlformats.org/drawingml/2006/main" xmlns:r="http://schemas.openxmlformats.org/officeDocument/2006/relationships" xmlns:p="http://schemas.openxmlformats.org/presentationml/2006/main">
+  <p:cSld>
+    <p:spTree>
+      <p:nvGrpSpPr>
+        <p:cNvPr id="1" name=""/>
+        <p:cNvGrpSpPr/>
+        <p:nvPr/>
+      </p:nvGrpSpPr>
+      <p:grpSpPr>
+        <a:xfrm>
+          <a:off x="0" y="0"/>
+          <a:ext cx="0" cy="0"/>
+          <a:chOff x="0" y="0"/>
+          <a:chExt cx="0" cy="0"/>
+        </a:xfrm>
+      </p:grpSpPr>
+      <p:sp>
+        <p:nvSpPr>
+          <p:cNvPr id="2" name="Titre 1">
+            <a:extLst>
+              <a:ext uri="{FF2B5EF4-FFF2-40B4-BE49-F238E27FC236}">
+                <a16:creationId xmlns:a16="http://schemas.microsoft.com/office/drawing/2014/main" id="{DC3D9B59-194F-49D3-B2F0-0534E95B6B45}"/>
+              </a:ext>
+            </a:extLst>
+          </p:cNvPr>
+          <p:cNvSpPr>
+            <a:spLocks noGrp="1"/>
+          </p:cNvSpPr>
+          <p:nvPr>
+            <p:ph type="title"/>
+          </p:nvPr>
+        </p:nvSpPr>
+        <p:spPr/>
+        <p:txBody>
+          <a:bodyPr>
+            <a:normAutofit fontScale="90000"/>
+          </a:bodyPr>
+          <a:lstStyle/>
+          <a:p>
+            <a:r>
+              <a:rPr lang="fr-BE" dirty="0"/>
+              <a:t>2. Random forest</a:t>
+            </a:r>
+            <a:br>
+              <a:rPr lang="fr-BE" dirty="0"/>
+            </a:br>
+            <a:r>
+              <a:rPr lang="fr-BE" dirty="0"/>
+              <a:t>B. Entrainement de l’algorithme + prédiction</a:t>
+            </a:r>
+          </a:p>
+        </p:txBody>
+      </p:sp>
+      <p:pic>
+        <p:nvPicPr>
+          <p:cNvPr id="8" name="Espace réservé du contenu 7">
+            <a:extLst>
+              <a:ext uri="{FF2B5EF4-FFF2-40B4-BE49-F238E27FC236}">
+                <a16:creationId xmlns:a16="http://schemas.microsoft.com/office/drawing/2014/main" id="{C035C15D-FC68-4F6C-BC63-C0568FDD1DD8}"/>
+              </a:ext>
+            </a:extLst>
+          </p:cNvPr>
+          <p:cNvPicPr>
+            <a:picLocks noGrp="1" noChangeAspect="1"/>
+          </p:cNvPicPr>
+          <p:nvPr>
+            <p:ph idx="1"/>
+          </p:nvPr>
+        </p:nvPicPr>
+        <p:blipFill>
+          <a:blip r:embed="rId2"/>
+          <a:stretch>
+            <a:fillRect/>
+          </a:stretch>
+        </p:blipFill>
+        <p:spPr>
+          <a:xfrm>
+            <a:off x="1033852" y="2552304"/>
+            <a:ext cx="5649113" cy="1133633"/>
+          </a:xfrm>
+        </p:spPr>
+      </p:pic>
+      <p:sp>
+        <p:nvSpPr>
+          <p:cNvPr id="4" name="Espace réservé du pied de page 3">
+            <a:extLst>
+              <a:ext uri="{FF2B5EF4-FFF2-40B4-BE49-F238E27FC236}">
+                <a16:creationId xmlns:a16="http://schemas.microsoft.com/office/drawing/2014/main" id="{E3808830-8EAD-4788-969F-F20481A1EF2F}"/>
+              </a:ext>
+            </a:extLst>
+          </p:cNvPr>
+          <p:cNvSpPr>
+            <a:spLocks noGrp="1"/>
+          </p:cNvSpPr>
+          <p:nvPr>
+            <p:ph type="ftr" sz="quarter" idx="11"/>
+          </p:nvPr>
+        </p:nvSpPr>
+        <p:spPr/>
+        <p:txBody>
+          <a:bodyPr/>
+          <a:lstStyle/>
+          <a:p>
+            <a:r>
+              <a:rPr lang="fr-BE"/>
+              <a:t>Live coding sur le machine learning</a:t>
+            </a:r>
+          </a:p>
+        </p:txBody>
+      </p:sp>
+      <p:sp>
+        <p:nvSpPr>
+          <p:cNvPr id="5" name="Espace réservé du numéro de diapositive 4">
+            <a:extLst>
+              <a:ext uri="{FF2B5EF4-FFF2-40B4-BE49-F238E27FC236}">
+                <a16:creationId xmlns:a16="http://schemas.microsoft.com/office/drawing/2014/main" id="{16DD3223-7130-46FA-8BEE-8CFC9CAA3286}"/>
+              </a:ext>
+            </a:extLst>
+          </p:cNvPr>
+          <p:cNvSpPr>
+            <a:spLocks noGrp="1"/>
+          </p:cNvSpPr>
+          <p:nvPr>
+            <p:ph type="sldNum" sz="quarter" idx="12"/>
+          </p:nvPr>
+        </p:nvSpPr>
+        <p:spPr/>
+        <p:txBody>
+          <a:bodyPr/>
+          <a:lstStyle/>
+          <a:p>
+            <a:fld id="{1786CA3C-090E-4C54-8D23-EF251525DFE6}" type="slidenum">
+              <a:rPr lang="fr-BE" smtClean="0"/>
+              <a:t>10</a:t>
+            </a:fld>
+            <a:endParaRPr lang="fr-BE"/>
+          </a:p>
+        </p:txBody>
+      </p:sp>
+      <p:pic>
+        <p:nvPicPr>
+          <p:cNvPr id="6" name="Image 5">
+            <a:extLst>
+              <a:ext uri="{FF2B5EF4-FFF2-40B4-BE49-F238E27FC236}">
+                <a16:creationId xmlns:a16="http://schemas.microsoft.com/office/drawing/2014/main" id="{5A88473A-6B77-45B1-96A8-62D5FB5DCE3D}"/>
+              </a:ext>
+            </a:extLst>
+          </p:cNvPr>
+          <p:cNvPicPr>
+            <a:picLocks noChangeAspect="1"/>
+          </p:cNvPicPr>
+          <p:nvPr/>
+        </p:nvPicPr>
+        <p:blipFill>
+          <a:blip r:embed="rId3">
+            <a:extLst>
+              <a:ext uri="{28A0092B-C50C-407E-A947-70E740481C1C}">
+                <a14:useLocalDpi xmlns:a14="http://schemas.microsoft.com/office/drawing/2010/main" val="0"/>
+              </a:ext>
+            </a:extLst>
+          </a:blip>
+          <a:stretch>
+            <a:fillRect/>
+          </a:stretch>
+        </p:blipFill>
+        <p:spPr>
+          <a:xfrm>
+            <a:off x="10561077" y="244081"/>
+            <a:ext cx="1367388" cy="1367388"/>
+          </a:xfrm>
+          <a:prstGeom prst="rect">
+            <a:avLst/>
+          </a:prstGeom>
+        </p:spPr>
+      </p:pic>
+      <p:pic>
+        <p:nvPicPr>
+          <p:cNvPr id="10" name="Image 9">
+            <a:extLst>
+              <a:ext uri="{FF2B5EF4-FFF2-40B4-BE49-F238E27FC236}">
+                <a16:creationId xmlns:a16="http://schemas.microsoft.com/office/drawing/2014/main" id="{1E46A983-D1A3-47D3-A18B-F268DCC76952}"/>
+              </a:ext>
+            </a:extLst>
+          </p:cNvPr>
+          <p:cNvPicPr>
+            <a:picLocks noChangeAspect="1"/>
+          </p:cNvPicPr>
+          <p:nvPr/>
+        </p:nvPicPr>
+        <p:blipFill>
+          <a:blip r:embed="rId4"/>
+          <a:stretch>
+            <a:fillRect/>
+          </a:stretch>
+        </p:blipFill>
+        <p:spPr>
+          <a:xfrm>
+            <a:off x="1033852" y="3826008"/>
+            <a:ext cx="4058216" cy="1486107"/>
+          </a:xfrm>
+          <a:prstGeom prst="rect">
+            <a:avLst/>
+          </a:prstGeom>
+        </p:spPr>
+      </p:pic>
+      <p:pic>
+        <p:nvPicPr>
+          <p:cNvPr id="12" name="Image 11">
+            <a:extLst>
+              <a:ext uri="{FF2B5EF4-FFF2-40B4-BE49-F238E27FC236}">
+                <a16:creationId xmlns:a16="http://schemas.microsoft.com/office/drawing/2014/main" id="{1F969469-D616-4E1A-83F1-4647D185B2BA}"/>
+              </a:ext>
+            </a:extLst>
+          </p:cNvPr>
+          <p:cNvPicPr>
+            <a:picLocks noChangeAspect="1"/>
+          </p:cNvPicPr>
+          <p:nvPr/>
+        </p:nvPicPr>
+        <p:blipFill>
+          <a:blip r:embed="rId5"/>
+          <a:stretch>
+            <a:fillRect/>
+          </a:stretch>
+        </p:blipFill>
+        <p:spPr>
+          <a:xfrm>
+            <a:off x="1033852" y="5476442"/>
+            <a:ext cx="4667901" cy="342948"/>
+          </a:xfrm>
+          <a:prstGeom prst="rect">
+            <a:avLst/>
+          </a:prstGeom>
+        </p:spPr>
+      </p:pic>
+      <p:pic>
+        <p:nvPicPr>
+          <p:cNvPr id="14" name="Image 13">
+            <a:extLst>
+              <a:ext uri="{FF2B5EF4-FFF2-40B4-BE49-F238E27FC236}">
+                <a16:creationId xmlns:a16="http://schemas.microsoft.com/office/drawing/2014/main" id="{06A2F4D4-D1C9-4078-8DBF-D583FD3F7A34}"/>
+              </a:ext>
+            </a:extLst>
+          </p:cNvPr>
+          <p:cNvPicPr>
+            <a:picLocks noChangeAspect="1"/>
+          </p:cNvPicPr>
+          <p:nvPr/>
+        </p:nvPicPr>
+        <p:blipFill>
+          <a:blip r:embed="rId6"/>
+          <a:stretch>
+            <a:fillRect/>
+          </a:stretch>
+        </p:blipFill>
+        <p:spPr>
+          <a:xfrm>
+            <a:off x="6682965" y="3876732"/>
+            <a:ext cx="5202314" cy="2870766"/>
+          </a:xfrm>
+          <a:prstGeom prst="rect">
+            <a:avLst/>
+          </a:prstGeom>
+        </p:spPr>
+      </p:pic>
+    </p:spTree>
+    <p:extLst>
+      <p:ext uri="{BB962C8B-B14F-4D97-AF65-F5344CB8AC3E}">
+        <p14:creationId xmlns:p14="http://schemas.microsoft.com/office/powerpoint/2010/main" val="2208520403"/>
+      </p:ext>
+    </p:extLst>
+  </p:cSld>
+  <p:clrMapOvr>
+    <a:masterClrMapping/>
+  </p:clrMapOvr>
+</p:sld>
+</file>
+
+<file path=ppt/slides/slide11.xml><?xml version="1.0" encoding="utf-8"?>
+<p:sld xmlns:a="http://schemas.openxmlformats.org/drawingml/2006/main" xmlns:r="http://schemas.openxmlformats.org/officeDocument/2006/relationships" xmlns:p="http://schemas.openxmlformats.org/presentationml/2006/main">
+  <p:cSld>
+    <p:spTree>
+      <p:nvGrpSpPr>
+        <p:cNvPr id="1" name=""/>
+        <p:cNvGrpSpPr/>
+        <p:nvPr/>
+      </p:nvGrpSpPr>
+      <p:grpSpPr>
+        <a:xfrm>
+          <a:off x="0" y="0"/>
+          <a:ext cx="0" cy="0"/>
+          <a:chOff x="0" y="0"/>
+          <a:chExt cx="0" cy="0"/>
+        </a:xfrm>
+      </p:grpSpPr>
+      <p:sp>
+        <p:nvSpPr>
+          <p:cNvPr id="2" name="Titre 1">
+            <a:extLst>
+              <a:ext uri="{FF2B5EF4-FFF2-40B4-BE49-F238E27FC236}">
+                <a16:creationId xmlns:a16="http://schemas.microsoft.com/office/drawing/2014/main" id="{A0E7F663-D183-4ACB-AC83-617E65DB253B}"/>
+              </a:ext>
+            </a:extLst>
+          </p:cNvPr>
+          <p:cNvSpPr>
+            <a:spLocks noGrp="1"/>
+          </p:cNvSpPr>
+          <p:nvPr>
+            <p:ph type="title"/>
+          </p:nvPr>
+        </p:nvSpPr>
+        <p:spPr/>
+        <p:txBody>
+          <a:bodyPr/>
+          <a:lstStyle/>
+          <a:p>
+            <a:r>
+              <a:rPr lang="fr-BE" dirty="0"/>
+              <a:t>Mise en situation n°3</a:t>
+            </a:r>
+          </a:p>
+        </p:txBody>
+      </p:sp>
+      <p:sp>
+        <p:nvSpPr>
+          <p:cNvPr id="3" name="Espace réservé du texte 2">
+            <a:extLst>
+              <a:ext uri="{FF2B5EF4-FFF2-40B4-BE49-F238E27FC236}">
+                <a16:creationId xmlns:a16="http://schemas.microsoft.com/office/drawing/2014/main" id="{4224D4FA-406A-46F5-8641-E42EAA2859F2}"/>
+              </a:ext>
+            </a:extLst>
+          </p:cNvPr>
+          <p:cNvSpPr>
+            <a:spLocks noGrp="1"/>
+          </p:cNvSpPr>
+          <p:nvPr>
+            <p:ph type="body" idx="1"/>
+          </p:nvPr>
+        </p:nvSpPr>
+        <p:spPr/>
+        <p:txBody>
+          <a:bodyPr/>
+          <a:lstStyle/>
+          <a:p>
+            <a:r>
+              <a:rPr lang="fr-BE" dirty="0"/>
+              <a:t>Evaluation de l’hyperparamètre k du </a:t>
+            </a:r>
+            <a:r>
+              <a:rPr lang="fr-BE" dirty="0" err="1"/>
+              <a:t>kNN</a:t>
+            </a:r>
+            <a:endParaRPr lang="fr-BE" dirty="0"/>
+          </a:p>
+        </p:txBody>
+      </p:sp>
+      <p:sp>
+        <p:nvSpPr>
+          <p:cNvPr id="4" name="Espace réservé du pied de page 3">
+            <a:extLst>
+              <a:ext uri="{FF2B5EF4-FFF2-40B4-BE49-F238E27FC236}">
+                <a16:creationId xmlns:a16="http://schemas.microsoft.com/office/drawing/2014/main" id="{51703DFD-686C-450B-9E8B-4667818B5A1F}"/>
+              </a:ext>
+            </a:extLst>
+          </p:cNvPr>
+          <p:cNvSpPr>
+            <a:spLocks noGrp="1"/>
+          </p:cNvSpPr>
+          <p:nvPr>
+            <p:ph type="ftr" sz="quarter" idx="11"/>
+          </p:nvPr>
+        </p:nvSpPr>
+        <p:spPr/>
+        <p:txBody>
+          <a:bodyPr/>
+          <a:lstStyle/>
+          <a:p>
+            <a:r>
+              <a:rPr lang="fr-BE"/>
+              <a:t>Live coding sur le machine learning</a:t>
+            </a:r>
+          </a:p>
+        </p:txBody>
+      </p:sp>
+      <p:sp>
+        <p:nvSpPr>
+          <p:cNvPr id="5" name="Espace réservé du numéro de diapositive 4">
+            <a:extLst>
+              <a:ext uri="{FF2B5EF4-FFF2-40B4-BE49-F238E27FC236}">
+                <a16:creationId xmlns:a16="http://schemas.microsoft.com/office/drawing/2014/main" id="{C066CD4B-8307-46B4-85D3-823A92242B9F}"/>
+              </a:ext>
+            </a:extLst>
+          </p:cNvPr>
+          <p:cNvSpPr>
+            <a:spLocks noGrp="1"/>
+          </p:cNvSpPr>
+          <p:nvPr>
+            <p:ph type="sldNum" sz="quarter" idx="12"/>
+          </p:nvPr>
+        </p:nvSpPr>
+        <p:spPr/>
+        <p:txBody>
+          <a:bodyPr/>
+          <a:lstStyle/>
+          <a:p>
+            <a:fld id="{1786CA3C-090E-4C54-8D23-EF251525DFE6}" type="slidenum">
+              <a:rPr lang="fr-BE" smtClean="0"/>
+              <a:t>11</a:t>
+            </a:fld>
+            <a:endParaRPr lang="fr-BE"/>
+          </a:p>
+        </p:txBody>
+      </p:sp>
+      <p:pic>
+        <p:nvPicPr>
+          <p:cNvPr id="6" name="Image 5">
+            <a:extLst>
+              <a:ext uri="{FF2B5EF4-FFF2-40B4-BE49-F238E27FC236}">
+                <a16:creationId xmlns:a16="http://schemas.microsoft.com/office/drawing/2014/main" id="{02BFB233-D699-4750-BC49-F7EB35D78D46}"/>
+              </a:ext>
+            </a:extLst>
+          </p:cNvPr>
+          <p:cNvPicPr>
+            <a:picLocks noChangeAspect="1"/>
+          </p:cNvPicPr>
+          <p:nvPr/>
+        </p:nvPicPr>
+        <p:blipFill>
+          <a:blip r:embed="rId2">
+            <a:extLst>
+              <a:ext uri="{28A0092B-C50C-407E-A947-70E740481C1C}">
+                <a14:useLocalDpi xmlns:a14="http://schemas.microsoft.com/office/drawing/2010/main" val="0"/>
+              </a:ext>
+            </a:extLst>
+          </a:blip>
+          <a:stretch>
+            <a:fillRect/>
+          </a:stretch>
+        </p:blipFill>
+        <p:spPr>
+          <a:xfrm>
+            <a:off x="10561077" y="244081"/>
+            <a:ext cx="1367388" cy="1367388"/>
+          </a:xfrm>
+          <a:prstGeom prst="rect">
+            <a:avLst/>
+          </a:prstGeom>
+        </p:spPr>
+      </p:pic>
+    </p:spTree>
+    <p:extLst>
+      <p:ext uri="{BB962C8B-B14F-4D97-AF65-F5344CB8AC3E}">
+        <p14:creationId xmlns:p14="http://schemas.microsoft.com/office/powerpoint/2010/main" val="4018882151"/>
+      </p:ext>
+    </p:extLst>
+  </p:cSld>
+  <p:clrMapOvr>
+    <a:masterClrMapping/>
+  </p:clrMapOvr>
+</p:sld>
+</file>
+
+<file path=ppt/slides/slide12.xml><?xml version="1.0" encoding="utf-8"?>
+<p:sld xmlns:a="http://schemas.openxmlformats.org/drawingml/2006/main" xmlns:r="http://schemas.openxmlformats.org/officeDocument/2006/relationships" xmlns:p="http://schemas.openxmlformats.org/presentationml/2006/main">
+  <p:cSld>
+    <p:spTree>
+      <p:nvGrpSpPr>
+        <p:cNvPr id="1" name=""/>
+        <p:cNvGrpSpPr/>
+        <p:nvPr/>
+      </p:nvGrpSpPr>
+      <p:grpSpPr>
+        <a:xfrm>
+          <a:off x="0" y="0"/>
+          <a:ext cx="0" cy="0"/>
+          <a:chOff x="0" y="0"/>
+          <a:chExt cx="0" cy="0"/>
+        </a:xfrm>
+      </p:grpSpPr>
+      <p:sp>
+        <p:nvSpPr>
+          <p:cNvPr id="2" name="Titre 1">
+            <a:extLst>
+              <a:ext uri="{FF2B5EF4-FFF2-40B4-BE49-F238E27FC236}">
+                <a16:creationId xmlns:a16="http://schemas.microsoft.com/office/drawing/2014/main" id="{DC3D9B59-194F-49D3-B2F0-0534E95B6B45}"/>
+              </a:ext>
+            </a:extLst>
+          </p:cNvPr>
+          <p:cNvSpPr>
+            <a:spLocks noGrp="1"/>
+          </p:cNvSpPr>
+          <p:nvPr>
+            <p:ph type="title"/>
+          </p:nvPr>
+        </p:nvSpPr>
+        <p:spPr/>
+        <p:txBody>
+          <a:bodyPr>
+            <a:normAutofit fontScale="90000"/>
+          </a:bodyPr>
+          <a:lstStyle/>
+          <a:p>
+            <a:r>
+              <a:rPr lang="fr-BE" dirty="0"/>
+              <a:t>3. Evaluation de l’hyperparamètre k</a:t>
+            </a:r>
+            <a:br>
+              <a:rPr lang="fr-BE" dirty="0"/>
+            </a:br>
+            <a:r>
+              <a:rPr lang="fr-BE" dirty="0"/>
+              <a:t>A. Importation des données + standardisation</a:t>
+            </a:r>
+          </a:p>
+        </p:txBody>
+      </p:sp>
+      <p:sp>
+        <p:nvSpPr>
+          <p:cNvPr id="4" name="Espace réservé du pied de page 3">
+            <a:extLst>
+              <a:ext uri="{FF2B5EF4-FFF2-40B4-BE49-F238E27FC236}">
+                <a16:creationId xmlns:a16="http://schemas.microsoft.com/office/drawing/2014/main" id="{E3808830-8EAD-4788-969F-F20481A1EF2F}"/>
+              </a:ext>
+            </a:extLst>
+          </p:cNvPr>
+          <p:cNvSpPr>
+            <a:spLocks noGrp="1"/>
+          </p:cNvSpPr>
+          <p:nvPr>
+            <p:ph type="ftr" sz="quarter" idx="11"/>
+          </p:nvPr>
+        </p:nvSpPr>
+        <p:spPr/>
+        <p:txBody>
+          <a:bodyPr/>
+          <a:lstStyle/>
+          <a:p>
+            <a:r>
+              <a:rPr lang="fr-BE"/>
+              <a:t>Live coding sur le machine learning</a:t>
+            </a:r>
+          </a:p>
+        </p:txBody>
+      </p:sp>
+      <p:sp>
+        <p:nvSpPr>
+          <p:cNvPr id="5" name="Espace réservé du numéro de diapositive 4">
+            <a:extLst>
+              <a:ext uri="{FF2B5EF4-FFF2-40B4-BE49-F238E27FC236}">
+                <a16:creationId xmlns:a16="http://schemas.microsoft.com/office/drawing/2014/main" id="{16DD3223-7130-46FA-8BEE-8CFC9CAA3286}"/>
+              </a:ext>
+            </a:extLst>
+          </p:cNvPr>
+          <p:cNvSpPr>
+            <a:spLocks noGrp="1"/>
+          </p:cNvSpPr>
+          <p:nvPr>
+            <p:ph type="sldNum" sz="quarter" idx="12"/>
+          </p:nvPr>
+        </p:nvSpPr>
+        <p:spPr/>
+        <p:txBody>
+          <a:bodyPr/>
+          <a:lstStyle/>
+          <a:p>
+            <a:fld id="{1786CA3C-090E-4C54-8D23-EF251525DFE6}" type="slidenum">
+              <a:rPr lang="fr-BE" smtClean="0"/>
+              <a:t>12</a:t>
+            </a:fld>
+            <a:endParaRPr lang="fr-BE"/>
+          </a:p>
+        </p:txBody>
+      </p:sp>
+      <p:pic>
+        <p:nvPicPr>
+          <p:cNvPr id="6" name="Image 5">
+            <a:extLst>
+              <a:ext uri="{FF2B5EF4-FFF2-40B4-BE49-F238E27FC236}">
+                <a16:creationId xmlns:a16="http://schemas.microsoft.com/office/drawing/2014/main" id="{5A88473A-6B77-45B1-96A8-62D5FB5DCE3D}"/>
+              </a:ext>
+            </a:extLst>
+          </p:cNvPr>
+          <p:cNvPicPr>
+            <a:picLocks noChangeAspect="1"/>
+          </p:cNvPicPr>
+          <p:nvPr/>
+        </p:nvPicPr>
+        <p:blipFill>
+          <a:blip r:embed="rId2">
+            <a:extLst>
+              <a:ext uri="{28A0092B-C50C-407E-A947-70E740481C1C}">
+                <a14:useLocalDpi xmlns:a14="http://schemas.microsoft.com/office/drawing/2010/main" val="0"/>
+              </a:ext>
+            </a:extLst>
+          </a:blip>
+          <a:stretch>
+            <a:fillRect/>
+          </a:stretch>
+        </p:blipFill>
+        <p:spPr>
+          <a:xfrm>
+            <a:off x="10561077" y="244081"/>
+            <a:ext cx="1367388" cy="1367388"/>
+          </a:xfrm>
+          <a:prstGeom prst="rect">
+            <a:avLst/>
+          </a:prstGeom>
+        </p:spPr>
+      </p:pic>
+      <p:pic>
+        <p:nvPicPr>
+          <p:cNvPr id="11" name="Espace réservé du contenu 10">
+            <a:extLst>
+              <a:ext uri="{FF2B5EF4-FFF2-40B4-BE49-F238E27FC236}">
+                <a16:creationId xmlns:a16="http://schemas.microsoft.com/office/drawing/2014/main" id="{E786328D-15B0-4D78-BB4E-4C7080B1F480}"/>
+              </a:ext>
+            </a:extLst>
+          </p:cNvPr>
+          <p:cNvPicPr>
+            <a:picLocks noGrp="1" noChangeAspect="1"/>
+          </p:cNvPicPr>
+          <p:nvPr>
+            <p:ph idx="1"/>
+          </p:nvPr>
+        </p:nvPicPr>
+        <p:blipFill>
+          <a:blip r:embed="rId3"/>
+          <a:stretch>
+            <a:fillRect/>
+          </a:stretch>
+        </p:blipFill>
+        <p:spPr>
+          <a:xfrm>
+            <a:off x="1012855" y="2505093"/>
+            <a:ext cx="4658375" cy="819264"/>
+          </a:xfrm>
+        </p:spPr>
+      </p:pic>
+      <p:pic>
+        <p:nvPicPr>
+          <p:cNvPr id="15" name="Image 14">
+            <a:extLst>
+              <a:ext uri="{FF2B5EF4-FFF2-40B4-BE49-F238E27FC236}">
+                <a16:creationId xmlns:a16="http://schemas.microsoft.com/office/drawing/2014/main" id="{346E3324-F426-4A25-A1D6-6EAB96A3818B}"/>
+              </a:ext>
+            </a:extLst>
+          </p:cNvPr>
+          <p:cNvPicPr>
+            <a:picLocks noChangeAspect="1"/>
+          </p:cNvPicPr>
+          <p:nvPr/>
+        </p:nvPicPr>
+        <p:blipFill>
+          <a:blip r:embed="rId4"/>
+          <a:stretch>
+            <a:fillRect/>
+          </a:stretch>
+        </p:blipFill>
+        <p:spPr>
+          <a:xfrm>
+            <a:off x="6520772" y="2636648"/>
+            <a:ext cx="4401164" cy="733527"/>
+          </a:xfrm>
+          <a:prstGeom prst="rect">
+            <a:avLst/>
+          </a:prstGeom>
+        </p:spPr>
+      </p:pic>
+      <p:pic>
+        <p:nvPicPr>
+          <p:cNvPr id="17" name="Image 16">
+            <a:extLst>
+              <a:ext uri="{FF2B5EF4-FFF2-40B4-BE49-F238E27FC236}">
+                <a16:creationId xmlns:a16="http://schemas.microsoft.com/office/drawing/2014/main" id="{6B1DE59A-B626-4ABB-B716-25E3997B3A02}"/>
+              </a:ext>
+            </a:extLst>
+          </p:cNvPr>
+          <p:cNvPicPr>
+            <a:picLocks noChangeAspect="1"/>
+          </p:cNvPicPr>
+          <p:nvPr/>
+        </p:nvPicPr>
+        <p:blipFill>
+          <a:blip r:embed="rId5"/>
+          <a:stretch>
+            <a:fillRect/>
+          </a:stretch>
+        </p:blipFill>
+        <p:spPr>
+          <a:xfrm>
+            <a:off x="982220" y="3507375"/>
+            <a:ext cx="7182852" cy="1162212"/>
+          </a:xfrm>
+          <a:prstGeom prst="rect">
+            <a:avLst/>
+          </a:prstGeom>
+        </p:spPr>
+      </p:pic>
+      <p:pic>
+        <p:nvPicPr>
+          <p:cNvPr id="19" name="Image 18">
+            <a:extLst>
+              <a:ext uri="{FF2B5EF4-FFF2-40B4-BE49-F238E27FC236}">
+                <a16:creationId xmlns:a16="http://schemas.microsoft.com/office/drawing/2014/main" id="{95619509-0D53-4309-98A0-BD59AF2FB67B}"/>
+              </a:ext>
+            </a:extLst>
+          </p:cNvPr>
+          <p:cNvPicPr>
+            <a:picLocks noChangeAspect="1"/>
+          </p:cNvPicPr>
+          <p:nvPr/>
+        </p:nvPicPr>
+        <p:blipFill>
+          <a:blip r:embed="rId6"/>
+          <a:stretch>
+            <a:fillRect/>
+          </a:stretch>
+        </p:blipFill>
+        <p:spPr>
+          <a:xfrm>
+            <a:off x="982531" y="4671935"/>
+            <a:ext cx="4648849" cy="1314633"/>
+          </a:xfrm>
+          <a:prstGeom prst="rect">
+            <a:avLst/>
+          </a:prstGeom>
+        </p:spPr>
+      </p:pic>
+    </p:spTree>
+    <p:extLst>
+      <p:ext uri="{BB962C8B-B14F-4D97-AF65-F5344CB8AC3E}">
+        <p14:creationId xmlns:p14="http://schemas.microsoft.com/office/powerpoint/2010/main" val="2366424584"/>
+      </p:ext>
+    </p:extLst>
+  </p:cSld>
+  <p:clrMapOvr>
+    <a:masterClrMapping/>
+  </p:clrMapOvr>
+</p:sld>
+</file>
+
+<file path=ppt/slides/slide13.xml><?xml version="1.0" encoding="utf-8"?>
+<p:sld xmlns:a="http://schemas.openxmlformats.org/drawingml/2006/main" xmlns:r="http://schemas.openxmlformats.org/officeDocument/2006/relationships" xmlns:p="http://schemas.openxmlformats.org/presentationml/2006/main">
+  <p:cSld>
+    <p:spTree>
+      <p:nvGrpSpPr>
+        <p:cNvPr id="1" name=""/>
+        <p:cNvGrpSpPr/>
+        <p:nvPr/>
+      </p:nvGrpSpPr>
+      <p:grpSpPr>
+        <a:xfrm>
+          <a:off x="0" y="0"/>
+          <a:ext cx="0" cy="0"/>
+          <a:chOff x="0" y="0"/>
+          <a:chExt cx="0" cy="0"/>
+        </a:xfrm>
+      </p:grpSpPr>
+      <p:sp>
+        <p:nvSpPr>
+          <p:cNvPr id="2" name="Titre 1">
+            <a:extLst>
+              <a:ext uri="{FF2B5EF4-FFF2-40B4-BE49-F238E27FC236}">
+                <a16:creationId xmlns:a16="http://schemas.microsoft.com/office/drawing/2014/main" id="{DC3D9B59-194F-49D3-B2F0-0534E95B6B45}"/>
+              </a:ext>
+            </a:extLst>
+          </p:cNvPr>
+          <p:cNvSpPr>
+            <a:spLocks noGrp="1"/>
+          </p:cNvSpPr>
+          <p:nvPr>
+            <p:ph type="title"/>
+          </p:nvPr>
+        </p:nvSpPr>
+        <p:spPr/>
+        <p:txBody>
+          <a:bodyPr>
+            <a:normAutofit fontScale="90000"/>
+          </a:bodyPr>
+          <a:lstStyle/>
+          <a:p>
+            <a:r>
+              <a:rPr lang="fr-BE" dirty="0"/>
+              <a:t>3. Evaluation de l’hyperparamètre k</a:t>
+            </a:r>
+            <a:br>
+              <a:rPr lang="fr-BE" dirty="0"/>
+            </a:br>
+            <a:r>
+              <a:rPr lang="fr-BE" dirty="0"/>
+              <a:t>B. Visualisation</a:t>
+            </a:r>
+          </a:p>
+        </p:txBody>
+      </p:sp>
+      <p:sp>
+        <p:nvSpPr>
+          <p:cNvPr id="4" name="Espace réservé du pied de page 3">
+            <a:extLst>
+              <a:ext uri="{FF2B5EF4-FFF2-40B4-BE49-F238E27FC236}">
+                <a16:creationId xmlns:a16="http://schemas.microsoft.com/office/drawing/2014/main" id="{E3808830-8EAD-4788-969F-F20481A1EF2F}"/>
+              </a:ext>
+            </a:extLst>
+          </p:cNvPr>
+          <p:cNvSpPr>
+            <a:spLocks noGrp="1"/>
+          </p:cNvSpPr>
+          <p:nvPr>
+            <p:ph type="ftr" sz="quarter" idx="11"/>
+          </p:nvPr>
+        </p:nvSpPr>
+        <p:spPr/>
+        <p:txBody>
+          <a:bodyPr/>
+          <a:lstStyle/>
+          <a:p>
+            <a:r>
+              <a:rPr lang="fr-BE"/>
+              <a:t>Live coding sur le machine learning</a:t>
+            </a:r>
+          </a:p>
+        </p:txBody>
+      </p:sp>
+      <p:sp>
+        <p:nvSpPr>
+          <p:cNvPr id="5" name="Espace réservé du numéro de diapositive 4">
+            <a:extLst>
+              <a:ext uri="{FF2B5EF4-FFF2-40B4-BE49-F238E27FC236}">
+                <a16:creationId xmlns:a16="http://schemas.microsoft.com/office/drawing/2014/main" id="{16DD3223-7130-46FA-8BEE-8CFC9CAA3286}"/>
+              </a:ext>
+            </a:extLst>
+          </p:cNvPr>
+          <p:cNvSpPr>
+            <a:spLocks noGrp="1"/>
+          </p:cNvSpPr>
+          <p:nvPr>
+            <p:ph type="sldNum" sz="quarter" idx="12"/>
+          </p:nvPr>
+        </p:nvSpPr>
+        <p:spPr/>
+        <p:txBody>
+          <a:bodyPr/>
+          <a:lstStyle/>
+          <a:p>
+            <a:fld id="{1786CA3C-090E-4C54-8D23-EF251525DFE6}" type="slidenum">
+              <a:rPr lang="fr-BE" smtClean="0"/>
+              <a:t>13</a:t>
+            </a:fld>
+            <a:endParaRPr lang="fr-BE"/>
+          </a:p>
+        </p:txBody>
+      </p:sp>
+      <p:pic>
+        <p:nvPicPr>
+          <p:cNvPr id="6" name="Image 5">
+            <a:extLst>
+              <a:ext uri="{FF2B5EF4-FFF2-40B4-BE49-F238E27FC236}">
+                <a16:creationId xmlns:a16="http://schemas.microsoft.com/office/drawing/2014/main" id="{5A88473A-6B77-45B1-96A8-62D5FB5DCE3D}"/>
+              </a:ext>
+            </a:extLst>
+          </p:cNvPr>
+          <p:cNvPicPr>
+            <a:picLocks noChangeAspect="1"/>
+          </p:cNvPicPr>
+          <p:nvPr/>
+        </p:nvPicPr>
+        <p:blipFill>
+          <a:blip r:embed="rId2">
+            <a:extLst>
+              <a:ext uri="{28A0092B-C50C-407E-A947-70E740481C1C}">
+                <a14:useLocalDpi xmlns:a14="http://schemas.microsoft.com/office/drawing/2010/main" val="0"/>
+              </a:ext>
+            </a:extLst>
+          </a:blip>
+          <a:stretch>
+            <a:fillRect/>
+          </a:stretch>
+        </p:blipFill>
+        <p:spPr>
+          <a:xfrm>
+            <a:off x="10561077" y="244081"/>
+            <a:ext cx="1367388" cy="1367388"/>
+          </a:xfrm>
+          <a:prstGeom prst="rect">
+            <a:avLst/>
+          </a:prstGeom>
+        </p:spPr>
+      </p:pic>
+      <p:pic>
+        <p:nvPicPr>
+          <p:cNvPr id="8" name="Espace réservé du contenu 7">
+            <a:extLst>
+              <a:ext uri="{FF2B5EF4-FFF2-40B4-BE49-F238E27FC236}">
+                <a16:creationId xmlns:a16="http://schemas.microsoft.com/office/drawing/2014/main" id="{7F044600-288D-4834-B6CF-1B5C02D69724}"/>
+              </a:ext>
+            </a:extLst>
+          </p:cNvPr>
+          <p:cNvPicPr>
+            <a:picLocks noGrp="1" noChangeAspect="1"/>
+          </p:cNvPicPr>
+          <p:nvPr>
+            <p:ph idx="1"/>
+          </p:nvPr>
+        </p:nvPicPr>
+        <p:blipFill>
+          <a:blip r:embed="rId3"/>
+          <a:stretch>
+            <a:fillRect/>
+          </a:stretch>
+        </p:blipFill>
+        <p:spPr>
+          <a:xfrm>
+            <a:off x="957191" y="2485812"/>
+            <a:ext cx="7459116" cy="1076475"/>
+          </a:xfrm>
+        </p:spPr>
+      </p:pic>
+      <p:pic>
+        <p:nvPicPr>
+          <p:cNvPr id="10" name="Image 9">
+            <a:extLst>
+              <a:ext uri="{FF2B5EF4-FFF2-40B4-BE49-F238E27FC236}">
+                <a16:creationId xmlns:a16="http://schemas.microsoft.com/office/drawing/2014/main" id="{F9267191-12F2-4D23-AD68-AECD03056699}"/>
+              </a:ext>
+            </a:extLst>
+          </p:cNvPr>
+          <p:cNvPicPr>
+            <a:picLocks noChangeAspect="1"/>
+          </p:cNvPicPr>
+          <p:nvPr/>
+        </p:nvPicPr>
+        <p:blipFill>
+          <a:blip r:embed="rId4"/>
+          <a:stretch>
+            <a:fillRect/>
+          </a:stretch>
+        </p:blipFill>
+        <p:spPr>
+          <a:xfrm>
+            <a:off x="5947521" y="3429000"/>
+            <a:ext cx="4406380" cy="3305956"/>
+          </a:xfrm>
+          <a:prstGeom prst="rect">
+            <a:avLst/>
+          </a:prstGeom>
+        </p:spPr>
+      </p:pic>
+    </p:spTree>
+    <p:extLst>
+      <p:ext uri="{BB962C8B-B14F-4D97-AF65-F5344CB8AC3E}">
+        <p14:creationId xmlns:p14="http://schemas.microsoft.com/office/powerpoint/2010/main" val="3816217444"/>
+      </p:ext>
+    </p:extLst>
+  </p:cSld>
+  <p:clrMapOvr>
+    <a:masterClrMapping/>
+  </p:clrMapOvr>
+</p:sld>
+</file>
+
+<file path=ppt/slides/slide14.xml><?xml version="1.0" encoding="utf-8"?>
+<p:sld xmlns:a="http://schemas.openxmlformats.org/drawingml/2006/main" xmlns:r="http://schemas.openxmlformats.org/officeDocument/2006/relationships" xmlns:p="http://schemas.openxmlformats.org/presentationml/2006/main">
+  <p:cSld>
+    <p:spTree>
+      <p:nvGrpSpPr>
+        <p:cNvPr id="1" name=""/>
+        <p:cNvGrpSpPr/>
+        <p:nvPr/>
+      </p:nvGrpSpPr>
+      <p:grpSpPr>
+        <a:xfrm>
+          <a:off x="0" y="0"/>
+          <a:ext cx="0" cy="0"/>
+          <a:chOff x="0" y="0"/>
+          <a:chExt cx="0" cy="0"/>
+        </a:xfrm>
+      </p:grpSpPr>
+      <p:sp>
+        <p:nvSpPr>
+          <p:cNvPr id="2" name="Titre 1">
+            <a:extLst>
+              <a:ext uri="{FF2B5EF4-FFF2-40B4-BE49-F238E27FC236}">
+                <a16:creationId xmlns:a16="http://schemas.microsoft.com/office/drawing/2014/main" id="{DC3D9B59-194F-49D3-B2F0-0534E95B6B45}"/>
+              </a:ext>
+            </a:extLst>
+          </p:cNvPr>
+          <p:cNvSpPr>
+            <a:spLocks noGrp="1"/>
+          </p:cNvSpPr>
+          <p:nvPr>
+            <p:ph type="title"/>
+          </p:nvPr>
+        </p:nvSpPr>
+        <p:spPr/>
+        <p:txBody>
+          <a:bodyPr>
+            <a:normAutofit fontScale="90000"/>
+          </a:bodyPr>
+          <a:lstStyle/>
+          <a:p>
+            <a:r>
+              <a:rPr lang="fr-BE" dirty="0"/>
+              <a:t>3. Evaluation de l’hyperparamètre k</a:t>
+            </a:r>
+            <a:br>
+              <a:rPr lang="fr-BE" dirty="0"/>
+            </a:br>
+            <a:r>
+              <a:rPr lang="fr-BE" dirty="0"/>
+              <a:t>C. Validation croisée </a:t>
+            </a:r>
+          </a:p>
+        </p:txBody>
+      </p:sp>
+      <p:sp>
+        <p:nvSpPr>
+          <p:cNvPr id="4" name="Espace réservé du pied de page 3">
+            <a:extLst>
+              <a:ext uri="{FF2B5EF4-FFF2-40B4-BE49-F238E27FC236}">
+                <a16:creationId xmlns:a16="http://schemas.microsoft.com/office/drawing/2014/main" id="{E3808830-8EAD-4788-969F-F20481A1EF2F}"/>
+              </a:ext>
+            </a:extLst>
+          </p:cNvPr>
+          <p:cNvSpPr>
+            <a:spLocks noGrp="1"/>
+          </p:cNvSpPr>
+          <p:nvPr>
+            <p:ph type="ftr" sz="quarter" idx="11"/>
+          </p:nvPr>
+        </p:nvSpPr>
+        <p:spPr/>
+        <p:txBody>
+          <a:bodyPr/>
+          <a:lstStyle/>
+          <a:p>
+            <a:r>
+              <a:rPr lang="fr-BE"/>
+              <a:t>Live coding sur le machine learning</a:t>
+            </a:r>
+          </a:p>
+        </p:txBody>
+      </p:sp>
+      <p:sp>
+        <p:nvSpPr>
+          <p:cNvPr id="5" name="Espace réservé du numéro de diapositive 4">
+            <a:extLst>
+              <a:ext uri="{FF2B5EF4-FFF2-40B4-BE49-F238E27FC236}">
+                <a16:creationId xmlns:a16="http://schemas.microsoft.com/office/drawing/2014/main" id="{16DD3223-7130-46FA-8BEE-8CFC9CAA3286}"/>
+              </a:ext>
+            </a:extLst>
+          </p:cNvPr>
+          <p:cNvSpPr>
+            <a:spLocks noGrp="1"/>
+          </p:cNvSpPr>
+          <p:nvPr>
+            <p:ph type="sldNum" sz="quarter" idx="12"/>
+          </p:nvPr>
+        </p:nvSpPr>
+        <p:spPr/>
+        <p:txBody>
+          <a:bodyPr/>
+          <a:lstStyle/>
+          <a:p>
+            <a:fld id="{1786CA3C-090E-4C54-8D23-EF251525DFE6}" type="slidenum">
+              <a:rPr lang="fr-BE" smtClean="0"/>
+              <a:t>14</a:t>
+            </a:fld>
+            <a:endParaRPr lang="fr-BE"/>
+          </a:p>
+        </p:txBody>
+      </p:sp>
+      <p:pic>
+        <p:nvPicPr>
+          <p:cNvPr id="6" name="Image 5">
+            <a:extLst>
+              <a:ext uri="{FF2B5EF4-FFF2-40B4-BE49-F238E27FC236}">
+                <a16:creationId xmlns:a16="http://schemas.microsoft.com/office/drawing/2014/main" id="{5A88473A-6B77-45B1-96A8-62D5FB5DCE3D}"/>
+              </a:ext>
+            </a:extLst>
+          </p:cNvPr>
+          <p:cNvPicPr>
+            <a:picLocks noChangeAspect="1"/>
+          </p:cNvPicPr>
+          <p:nvPr/>
+        </p:nvPicPr>
+        <p:blipFill>
+          <a:blip r:embed="rId2">
+            <a:extLst>
+              <a:ext uri="{28A0092B-C50C-407E-A947-70E740481C1C}">
+                <a14:useLocalDpi xmlns:a14="http://schemas.microsoft.com/office/drawing/2010/main" val="0"/>
+              </a:ext>
+            </a:extLst>
+          </a:blip>
+          <a:stretch>
+            <a:fillRect/>
+          </a:stretch>
+        </p:blipFill>
+        <p:spPr>
+          <a:xfrm>
+            <a:off x="10561077" y="244081"/>
+            <a:ext cx="1367388" cy="1367388"/>
+          </a:xfrm>
+          <a:prstGeom prst="rect">
+            <a:avLst/>
+          </a:prstGeom>
+        </p:spPr>
+      </p:pic>
+      <p:pic>
+        <p:nvPicPr>
+          <p:cNvPr id="8" name="Espace réservé du contenu 7">
+            <a:extLst>
+              <a:ext uri="{FF2B5EF4-FFF2-40B4-BE49-F238E27FC236}">
+                <a16:creationId xmlns:a16="http://schemas.microsoft.com/office/drawing/2014/main" id="{74D93E39-0592-4F65-A6D1-1BD6EC3FB1C7}"/>
+              </a:ext>
+            </a:extLst>
+          </p:cNvPr>
+          <p:cNvPicPr>
+            <a:picLocks noGrp="1" noChangeAspect="1"/>
+          </p:cNvPicPr>
+          <p:nvPr>
+            <p:ph idx="1"/>
+          </p:nvPr>
+        </p:nvPicPr>
+        <p:blipFill>
+          <a:blip r:embed="rId3"/>
+          <a:stretch>
+            <a:fillRect/>
+          </a:stretch>
+        </p:blipFill>
+        <p:spPr>
+          <a:xfrm>
+            <a:off x="1067355" y="2557993"/>
+            <a:ext cx="4850589" cy="3317875"/>
+          </a:xfrm>
+        </p:spPr>
+      </p:pic>
+      <p:pic>
+        <p:nvPicPr>
+          <p:cNvPr id="10" name="Image 9">
+            <a:extLst>
+              <a:ext uri="{FF2B5EF4-FFF2-40B4-BE49-F238E27FC236}">
+                <a16:creationId xmlns:a16="http://schemas.microsoft.com/office/drawing/2014/main" id="{7B1BAFD6-27DE-40AE-96A7-C59FF1ED030E}"/>
+              </a:ext>
+            </a:extLst>
+          </p:cNvPr>
+          <p:cNvPicPr>
+            <a:picLocks noChangeAspect="1"/>
+          </p:cNvPicPr>
+          <p:nvPr/>
+        </p:nvPicPr>
+        <p:blipFill>
+          <a:blip r:embed="rId4"/>
+          <a:stretch>
+            <a:fillRect/>
+          </a:stretch>
+        </p:blipFill>
+        <p:spPr>
+          <a:xfrm>
+            <a:off x="5917944" y="2478238"/>
+            <a:ext cx="4850589" cy="2034922"/>
+          </a:xfrm>
+          <a:prstGeom prst="rect">
+            <a:avLst/>
+          </a:prstGeom>
+        </p:spPr>
+      </p:pic>
+      <p:pic>
+        <p:nvPicPr>
+          <p:cNvPr id="12" name="Image 11">
+            <a:extLst>
+              <a:ext uri="{FF2B5EF4-FFF2-40B4-BE49-F238E27FC236}">
+                <a16:creationId xmlns:a16="http://schemas.microsoft.com/office/drawing/2014/main" id="{17D8490C-C225-404B-9647-185BC437F5A1}"/>
+              </a:ext>
+            </a:extLst>
+          </p:cNvPr>
+          <p:cNvPicPr>
+            <a:picLocks noChangeAspect="1"/>
+          </p:cNvPicPr>
+          <p:nvPr/>
+        </p:nvPicPr>
+        <p:blipFill>
+          <a:blip r:embed="rId5"/>
+          <a:stretch>
+            <a:fillRect/>
+          </a:stretch>
+        </p:blipFill>
+        <p:spPr>
+          <a:xfrm>
+            <a:off x="6852064" y="4705399"/>
+            <a:ext cx="3200393" cy="1341617"/>
+          </a:xfrm>
+          <a:prstGeom prst="rect">
+            <a:avLst/>
+          </a:prstGeom>
+        </p:spPr>
+      </p:pic>
+    </p:spTree>
+    <p:extLst>
+      <p:ext uri="{BB962C8B-B14F-4D97-AF65-F5344CB8AC3E}">
+        <p14:creationId xmlns:p14="http://schemas.microsoft.com/office/powerpoint/2010/main" val="1500955552"/>
+      </p:ext>
+    </p:extLst>
+  </p:cSld>
+  <p:clrMapOvr>
+    <a:masterClrMapping/>
+  </p:clrMapOvr>
+</p:sld>
+</file>
+
+<file path=ppt/slides/slide15.xml><?xml version="1.0" encoding="utf-8"?>
+<p:sld xmlns:a="http://schemas.openxmlformats.org/drawingml/2006/main" xmlns:r="http://schemas.openxmlformats.org/officeDocument/2006/relationships" xmlns:p="http://schemas.openxmlformats.org/presentationml/2006/main">
+  <p:cSld>
+    <p:spTree>
+      <p:nvGrpSpPr>
+        <p:cNvPr id="1" name=""/>
+        <p:cNvGrpSpPr/>
+        <p:nvPr/>
+      </p:nvGrpSpPr>
+      <p:grpSpPr>
+        <a:xfrm>
+          <a:off x="0" y="0"/>
+          <a:ext cx="0" cy="0"/>
+          <a:chOff x="0" y="0"/>
+          <a:chExt cx="0" cy="0"/>
+        </a:xfrm>
+      </p:grpSpPr>
+      <p:sp>
+        <p:nvSpPr>
+          <p:cNvPr id="2" name="Titre 1">
+            <a:extLst>
+              <a:ext uri="{FF2B5EF4-FFF2-40B4-BE49-F238E27FC236}">
+                <a16:creationId xmlns:a16="http://schemas.microsoft.com/office/drawing/2014/main" id="{A12694EB-F273-44D8-BA11-5C76AA909096}"/>
+              </a:ext>
+            </a:extLst>
+          </p:cNvPr>
+          <p:cNvSpPr>
+            <a:spLocks noGrp="1"/>
+          </p:cNvSpPr>
+          <p:nvPr>
+            <p:ph type="title"/>
+          </p:nvPr>
+        </p:nvSpPr>
+        <p:spPr/>
+        <p:txBody>
+          <a:bodyPr/>
+          <a:lstStyle/>
+          <a:p>
+            <a:r>
+              <a:rPr lang="fr-BE" dirty="0"/>
+              <a:t>Ressources</a:t>
+            </a:r>
+          </a:p>
+        </p:txBody>
+      </p:sp>
+      <p:sp>
+        <p:nvSpPr>
+          <p:cNvPr id="3" name="Espace réservé du contenu 2">
+            <a:extLst>
+              <a:ext uri="{FF2B5EF4-FFF2-40B4-BE49-F238E27FC236}">
+                <a16:creationId xmlns:a16="http://schemas.microsoft.com/office/drawing/2014/main" id="{1B9248EC-7031-4586-AC33-B2235769417A}"/>
+              </a:ext>
+            </a:extLst>
+          </p:cNvPr>
+          <p:cNvSpPr>
+            <a:spLocks noGrp="1"/>
+          </p:cNvSpPr>
+          <p:nvPr>
+            <p:ph idx="1"/>
+          </p:nvPr>
+        </p:nvSpPr>
+        <p:spPr/>
+        <p:txBody>
+          <a:bodyPr>
+            <a:normAutofit fontScale="85000" lnSpcReduction="20000"/>
+          </a:bodyPr>
+          <a:lstStyle/>
+          <a:p>
+            <a:r>
+              <a:rPr lang="fr-BE" dirty="0">
+                <a:hlinkClick r:id="rId2"/>
+              </a:rPr>
+              <a:t>https://github.com/CalcagnoLoic/veille-becode/tree/main/Live%20coding</a:t>
+            </a:r>
+            <a:r>
+              <a:rPr lang="fr-BE" dirty="0"/>
+              <a:t> </a:t>
+            </a:r>
+          </a:p>
+          <a:p>
+            <a:r>
+              <a:rPr lang="fr-BE" dirty="0">
+                <a:hlinkClick r:id="rId3"/>
+              </a:rPr>
+              <a:t>https://openclassrooms.com/fr/courses/4452741-decouvrez-les-librairies-python-pour-la-data-science</a:t>
+            </a:r>
+            <a:r>
+              <a:rPr lang="fr-BE" dirty="0"/>
+              <a:t> </a:t>
+            </a:r>
+          </a:p>
+          <a:p>
+            <a:r>
+              <a:rPr lang="fr-BE" dirty="0">
+                <a:hlinkClick r:id="rId4"/>
+              </a:rPr>
+              <a:t>https://openclassrooms.com/fr/courses/4297211-evaluez-les-performances-dun-modele-de-machine-learning</a:t>
+            </a:r>
+            <a:r>
+              <a:rPr lang="fr-BE" dirty="0"/>
+              <a:t> </a:t>
+            </a:r>
+          </a:p>
+          <a:p>
+            <a:r>
+              <a:rPr lang="fr-BE" dirty="0">
+                <a:hlinkClick r:id="rId5"/>
+              </a:rPr>
+              <a:t>https://openclassrooms.com/fr/courses/4444646-entrainez-un-modele-predictif-lineaire</a:t>
+            </a:r>
+            <a:r>
+              <a:rPr lang="fr-BE" dirty="0"/>
+              <a:t> </a:t>
+            </a:r>
+          </a:p>
+          <a:p>
+            <a:r>
+              <a:rPr lang="fr-BE" dirty="0">
+                <a:hlinkClick r:id="rId6"/>
+              </a:rPr>
+              <a:t>https://openclassrooms.com/fr/courses/4470521-modelisez-vos-donnees-avec-les-methodes-ensemblistes</a:t>
+            </a:r>
+            <a:r>
+              <a:rPr lang="fr-BE" dirty="0"/>
+              <a:t> </a:t>
+            </a:r>
+          </a:p>
+          <a:p>
+            <a:r>
+              <a:rPr lang="fr-BE" dirty="0">
+                <a:hlinkClick r:id="rId7"/>
+              </a:rPr>
+              <a:t>https://openclassrooms.com/fr/courses/4470406-utilisez-des-modeles-supervises-non-lineaires</a:t>
+            </a:r>
+            <a:r>
+              <a:rPr lang="fr-BE" dirty="0"/>
+              <a:t> </a:t>
+            </a:r>
+          </a:p>
+        </p:txBody>
+      </p:sp>
+      <p:sp>
+        <p:nvSpPr>
+          <p:cNvPr id="4" name="Espace réservé du pied de page 3">
+            <a:extLst>
+              <a:ext uri="{FF2B5EF4-FFF2-40B4-BE49-F238E27FC236}">
+                <a16:creationId xmlns:a16="http://schemas.microsoft.com/office/drawing/2014/main" id="{1D319D78-37BF-433B-9515-836EABD4E73B}"/>
+              </a:ext>
+            </a:extLst>
+          </p:cNvPr>
+          <p:cNvSpPr>
+            <a:spLocks noGrp="1"/>
+          </p:cNvSpPr>
+          <p:nvPr>
+            <p:ph type="ftr" sz="quarter" idx="11"/>
+          </p:nvPr>
+        </p:nvSpPr>
+        <p:spPr/>
+        <p:txBody>
+          <a:bodyPr/>
+          <a:lstStyle/>
+          <a:p>
+            <a:r>
+              <a:rPr lang="fr-BE"/>
+              <a:t>Live coding sur le machine learning</a:t>
+            </a:r>
+          </a:p>
+        </p:txBody>
+      </p:sp>
+      <p:sp>
+        <p:nvSpPr>
+          <p:cNvPr id="5" name="Espace réservé du numéro de diapositive 4">
+            <a:extLst>
+              <a:ext uri="{FF2B5EF4-FFF2-40B4-BE49-F238E27FC236}">
+                <a16:creationId xmlns:a16="http://schemas.microsoft.com/office/drawing/2014/main" id="{94EDA4DE-4293-48DC-B302-3C6E107B9958}"/>
+              </a:ext>
+            </a:extLst>
+          </p:cNvPr>
+          <p:cNvSpPr>
+            <a:spLocks noGrp="1"/>
+          </p:cNvSpPr>
+          <p:nvPr>
+            <p:ph type="sldNum" sz="quarter" idx="12"/>
+          </p:nvPr>
+        </p:nvSpPr>
+        <p:spPr/>
+        <p:txBody>
+          <a:bodyPr/>
+          <a:lstStyle/>
+          <a:p>
+            <a:fld id="{1786CA3C-090E-4C54-8D23-EF251525DFE6}" type="slidenum">
+              <a:rPr lang="fr-BE" smtClean="0"/>
+              <a:t>15</a:t>
+            </a:fld>
+            <a:endParaRPr lang="fr-BE"/>
+          </a:p>
+        </p:txBody>
+      </p:sp>
+      <p:pic>
+        <p:nvPicPr>
+          <p:cNvPr id="6" name="Image 5">
+            <a:extLst>
+              <a:ext uri="{FF2B5EF4-FFF2-40B4-BE49-F238E27FC236}">
+                <a16:creationId xmlns:a16="http://schemas.microsoft.com/office/drawing/2014/main" id="{9288203D-D80E-4B77-A477-A261689CC5FE}"/>
+              </a:ext>
+            </a:extLst>
+          </p:cNvPr>
+          <p:cNvPicPr>
+            <a:picLocks noChangeAspect="1"/>
+          </p:cNvPicPr>
+          <p:nvPr/>
+        </p:nvPicPr>
+        <p:blipFill>
+          <a:blip r:embed="rId8">
+            <a:extLst>
+              <a:ext uri="{28A0092B-C50C-407E-A947-70E740481C1C}">
+                <a14:useLocalDpi xmlns:a14="http://schemas.microsoft.com/office/drawing/2010/main" val="0"/>
+              </a:ext>
+            </a:extLst>
+          </a:blip>
+          <a:stretch>
+            <a:fillRect/>
+          </a:stretch>
+        </p:blipFill>
+        <p:spPr>
+          <a:xfrm>
+            <a:off x="10561077" y="244081"/>
+            <a:ext cx="1367388" cy="1367388"/>
+          </a:xfrm>
+          <a:prstGeom prst="rect">
+            <a:avLst/>
+          </a:prstGeom>
+        </p:spPr>
+      </p:pic>
+    </p:spTree>
+    <p:extLst>
+      <p:ext uri="{BB962C8B-B14F-4D97-AF65-F5344CB8AC3E}">
+        <p14:creationId xmlns:p14="http://schemas.microsoft.com/office/powerpoint/2010/main" val="1814795734"/>
+      </p:ext>
+    </p:extLst>
+  </p:cSld>
+  <p:clrMapOvr>
+    <a:masterClrMapping/>
+  </p:clrMapOvr>
+</p:sld>
+</file>
+
+<file path=ppt/slides/slide16.xml><?xml version="1.0" encoding="utf-8"?>
+<p:sld xmlns:a="http://schemas.openxmlformats.org/drawingml/2006/main" xmlns:r="http://schemas.openxmlformats.org/officeDocument/2006/relationships" xmlns:p="http://schemas.openxmlformats.org/presentationml/2006/main">
+  <p:cSld>
+    <p:spTree>
+      <p:nvGrpSpPr>
+        <p:cNvPr id="1" name=""/>
+        <p:cNvGrpSpPr/>
+        <p:nvPr/>
+      </p:nvGrpSpPr>
+      <p:grpSpPr>
+        <a:xfrm>
+          <a:off x="0" y="0"/>
+          <a:ext cx="0" cy="0"/>
+          <a:chOff x="0" y="0"/>
+          <a:chExt cx="0" cy="0"/>
+        </a:xfrm>
+      </p:grpSpPr>
+      <p:sp>
+        <p:nvSpPr>
+          <p:cNvPr id="2" name="Titre 1">
+            <a:extLst>
+              <a:ext uri="{FF2B5EF4-FFF2-40B4-BE49-F238E27FC236}">
+                <a16:creationId xmlns:a16="http://schemas.microsoft.com/office/drawing/2014/main" id="{5DDBA2DF-DF9B-45C1-9E17-81D3AB3B126D}"/>
+              </a:ext>
+            </a:extLst>
+          </p:cNvPr>
+          <p:cNvSpPr>
+            <a:spLocks noGrp="1"/>
+          </p:cNvSpPr>
+          <p:nvPr>
+            <p:ph type="ctrTitle"/>
+          </p:nvPr>
+        </p:nvSpPr>
+        <p:spPr/>
+        <p:txBody>
+          <a:bodyPr/>
+          <a:lstStyle/>
+          <a:p>
+            <a:r>
+              <a:rPr lang="fr-BE" dirty="0"/>
+              <a:t>Merci de votre attention </a:t>
+            </a:r>
+            <a:r>
+              <a:rPr lang="fr-BE" dirty="0">
+                <a:sym typeface="Wingdings" panose="05000000000000000000" pitchFamily="2" charset="2"/>
+              </a:rPr>
+              <a:t></a:t>
+            </a:r>
+            <a:endParaRPr lang="fr-BE" dirty="0"/>
+          </a:p>
+        </p:txBody>
+      </p:sp>
+      <p:pic>
+        <p:nvPicPr>
+          <p:cNvPr id="4" name="Image 3">
+            <a:extLst>
+              <a:ext uri="{FF2B5EF4-FFF2-40B4-BE49-F238E27FC236}">
+                <a16:creationId xmlns:a16="http://schemas.microsoft.com/office/drawing/2014/main" id="{C5E516F7-2201-4660-96D2-191A0EA64789}"/>
+              </a:ext>
+            </a:extLst>
+          </p:cNvPr>
+          <p:cNvPicPr>
+            <a:picLocks noChangeAspect="1"/>
+          </p:cNvPicPr>
+          <p:nvPr/>
+        </p:nvPicPr>
+        <p:blipFill>
+          <a:blip r:embed="rId2">
+            <a:extLst>
+              <a:ext uri="{28A0092B-C50C-407E-A947-70E740481C1C}">
+                <a14:useLocalDpi xmlns:a14="http://schemas.microsoft.com/office/drawing/2010/main" val="0"/>
+              </a:ext>
+            </a:extLst>
+          </a:blip>
+          <a:stretch>
+            <a:fillRect/>
+          </a:stretch>
+        </p:blipFill>
+        <p:spPr>
+          <a:xfrm>
+            <a:off x="8786607" y="4043212"/>
+            <a:ext cx="2530437" cy="2530437"/>
+          </a:xfrm>
+          <a:prstGeom prst="rect">
+            <a:avLst/>
+          </a:prstGeom>
+        </p:spPr>
+      </p:pic>
+      <p:pic>
+        <p:nvPicPr>
+          <p:cNvPr id="8" name="Image 7" descr="Une image contenant texte, intérieur, mur, personne&#10;&#10;Description générée automatiquement">
+            <a:extLst>
+              <a:ext uri="{FF2B5EF4-FFF2-40B4-BE49-F238E27FC236}">
+                <a16:creationId xmlns:a16="http://schemas.microsoft.com/office/drawing/2014/main" id="{67B380BA-BD9D-47BD-9021-7016C37FA26D}"/>
+              </a:ext>
+            </a:extLst>
+          </p:cNvPr>
+          <p:cNvPicPr>
+            <a:picLocks noChangeAspect="1"/>
+          </p:cNvPicPr>
+          <p:nvPr/>
+        </p:nvPicPr>
+        <p:blipFill>
+          <a:blip r:embed="rId3">
+            <a:extLst>
+              <a:ext uri="{28A0092B-C50C-407E-A947-70E740481C1C}">
+                <a14:useLocalDpi xmlns:a14="http://schemas.microsoft.com/office/drawing/2010/main" val="0"/>
+              </a:ext>
+            </a:extLst>
+          </a:blip>
+          <a:stretch>
+            <a:fillRect/>
+          </a:stretch>
+        </p:blipFill>
+        <p:spPr>
+          <a:xfrm>
+            <a:off x="3960307" y="3755583"/>
+            <a:ext cx="4271386" cy="2391976"/>
+          </a:xfrm>
+          <a:prstGeom prst="rect">
+            <a:avLst/>
+          </a:prstGeom>
+        </p:spPr>
+      </p:pic>
+    </p:spTree>
+    <p:extLst>
+      <p:ext uri="{BB962C8B-B14F-4D97-AF65-F5344CB8AC3E}">
+        <p14:creationId xmlns:p14="http://schemas.microsoft.com/office/powerpoint/2010/main" val="2915538465"/>
       </p:ext>
     </p:extLst>
   </p:cSld>
@@ -6000,7 +8073,7 @@
           <p:cNvPr id="2" name="Titre 1">
             <a:extLst>
               <a:ext uri="{FF2B5EF4-FFF2-40B4-BE49-F238E27FC236}">
-                <a16:creationId xmlns:a16="http://schemas.microsoft.com/office/drawing/2014/main" id="{09F0490F-82C6-4AE0-A311-624917FFFFDA}"/>
+                <a16:creationId xmlns:a16="http://schemas.microsoft.com/office/drawing/2014/main" id="{4549D9FE-B763-44FD-AD06-17ACCE5AFA55}"/>
               </a:ext>
             </a:extLst>
           </p:cNvPr>
@@ -6018,17 +8091,17 @@
           <a:p>
             <a:r>
               <a:rPr lang="fr-BE" dirty="0"/>
-              <a:t>Python et la data science</a:t>
-            </a:r>
-          </a:p>
-        </p:txBody>
-      </p:sp>
-      <p:sp>
-        <p:nvSpPr>
-          <p:cNvPr id="4" name="Espace réservé du pied de page 3">
+              <a:t>3 mises en situations</a:t>
+            </a:r>
+          </a:p>
+        </p:txBody>
+      </p:sp>
+      <p:sp>
+        <p:nvSpPr>
+          <p:cNvPr id="3" name="Espace réservé du contenu 2">
             <a:extLst>
               <a:ext uri="{FF2B5EF4-FFF2-40B4-BE49-F238E27FC236}">
-                <a16:creationId xmlns:a16="http://schemas.microsoft.com/office/drawing/2014/main" id="{F6E8B731-B142-4276-AA9A-1828FFA35BCB}"/>
+                <a16:creationId xmlns:a16="http://schemas.microsoft.com/office/drawing/2014/main" id="{28231A87-ADDE-4E30-875E-3E3839FC03BC}"/>
               </a:ext>
             </a:extLst>
           </p:cNvPr>
@@ -6036,7 +8109,7 @@
             <a:spLocks noGrp="1"/>
           </p:cNvSpPr>
           <p:nvPr>
-            <p:ph type="ftr" sz="quarter" idx="11"/>
+            <p:ph idx="1"/>
           </p:nvPr>
         </p:nvSpPr>
         <p:spPr/>
@@ -6045,47 +8118,35 @@
           <a:lstStyle/>
           <a:p>
             <a:r>
-              <a:rPr lang="fr-BE"/>
-              <a:t>Introduction à Python </a:t>
-            </a:r>
-          </a:p>
-        </p:txBody>
-      </p:sp>
-      <p:sp>
-        <p:nvSpPr>
-          <p:cNvPr id="5" name="Espace réservé du numéro de diapositive 4">
-            <a:extLst>
-              <a:ext uri="{FF2B5EF4-FFF2-40B4-BE49-F238E27FC236}">
-                <a16:creationId xmlns:a16="http://schemas.microsoft.com/office/drawing/2014/main" id="{048A54B2-6A40-4648-B77D-C2FFE6454A68}"/>
-              </a:ext>
-            </a:extLst>
-          </p:cNvPr>
-          <p:cNvSpPr>
-            <a:spLocks noGrp="1"/>
-          </p:cNvSpPr>
-          <p:nvPr>
-            <p:ph type="sldNum" sz="quarter" idx="12"/>
-          </p:nvPr>
-        </p:nvSpPr>
-        <p:spPr/>
-        <p:txBody>
-          <a:bodyPr/>
-          <a:lstStyle/>
-          <a:p>
-            <a:fld id="{564F39E3-1EEC-4562-AD83-1D5737365B38}" type="slidenum">
-              <a:rPr lang="fr-BE" smtClean="0"/>
-              <a:t>2</a:t>
-            </a:fld>
-            <a:endParaRPr lang="fr-BE"/>
+              <a:rPr lang="fr-BE" dirty="0"/>
+              <a:t>1. Prédiction via une régression linéaire simple </a:t>
+            </a:r>
+          </a:p>
+          <a:p>
+            <a:r>
+              <a:rPr lang="fr-BE" dirty="0"/>
+              <a:t>2. Classification d’une espèce de plante grâce au random forest </a:t>
+            </a:r>
+          </a:p>
+          <a:p>
+            <a:r>
+              <a:rPr lang="fr-BE" dirty="0"/>
+              <a:t>3. Evaluation de l’hyperparamètre k du </a:t>
+            </a:r>
+            <a:r>
+              <a:rPr lang="fr-BE" dirty="0" err="1"/>
+              <a:t>kNN</a:t>
+            </a:r>
+            <a:endParaRPr lang="fr-BE" dirty="0"/>
           </a:p>
         </p:txBody>
       </p:sp>
       <p:pic>
         <p:nvPicPr>
-          <p:cNvPr id="6" name="Image 5">
+          <p:cNvPr id="4" name="Image 3">
             <a:extLst>
               <a:ext uri="{FF2B5EF4-FFF2-40B4-BE49-F238E27FC236}">
-                <a16:creationId xmlns:a16="http://schemas.microsoft.com/office/drawing/2014/main" id="{1CB613D3-32E0-43C1-814D-CF74979B96DB}"/>
+                <a16:creationId xmlns:a16="http://schemas.microsoft.com/office/drawing/2014/main" id="{5EF3B6AE-5E2E-4FCA-96F9-8F42BF925982}"/>
               </a:ext>
             </a:extLst>
           </p:cNvPr>
@@ -6116,6 +8177,214 @@
           </a:prstGeom>
         </p:spPr>
       </p:pic>
+      <p:sp>
+        <p:nvSpPr>
+          <p:cNvPr id="5" name="Espace réservé du pied de page 4">
+            <a:extLst>
+              <a:ext uri="{FF2B5EF4-FFF2-40B4-BE49-F238E27FC236}">
+                <a16:creationId xmlns:a16="http://schemas.microsoft.com/office/drawing/2014/main" id="{57D2146C-8944-463D-8EC5-6B0865DC68CF}"/>
+              </a:ext>
+            </a:extLst>
+          </p:cNvPr>
+          <p:cNvSpPr>
+            <a:spLocks noGrp="1"/>
+          </p:cNvSpPr>
+          <p:nvPr>
+            <p:ph type="ftr" sz="quarter" idx="11"/>
+          </p:nvPr>
+        </p:nvSpPr>
+        <p:spPr/>
+        <p:txBody>
+          <a:bodyPr/>
+          <a:lstStyle/>
+          <a:p>
+            <a:r>
+              <a:rPr lang="fr-BE"/>
+              <a:t>Live coding sur le machine learning</a:t>
+            </a:r>
+          </a:p>
+        </p:txBody>
+      </p:sp>
+      <p:sp>
+        <p:nvSpPr>
+          <p:cNvPr id="6" name="Espace réservé du numéro de diapositive 5">
+            <a:extLst>
+              <a:ext uri="{FF2B5EF4-FFF2-40B4-BE49-F238E27FC236}">
+                <a16:creationId xmlns:a16="http://schemas.microsoft.com/office/drawing/2014/main" id="{8928BAC1-648E-4F50-83BB-A17E4156B188}"/>
+              </a:ext>
+            </a:extLst>
+          </p:cNvPr>
+          <p:cNvSpPr>
+            <a:spLocks noGrp="1"/>
+          </p:cNvSpPr>
+          <p:nvPr>
+            <p:ph type="sldNum" sz="quarter" idx="12"/>
+          </p:nvPr>
+        </p:nvSpPr>
+        <p:spPr/>
+        <p:txBody>
+          <a:bodyPr/>
+          <a:lstStyle/>
+          <a:p>
+            <a:fld id="{1786CA3C-090E-4C54-8D23-EF251525DFE6}" type="slidenum">
+              <a:rPr lang="fr-BE" smtClean="0"/>
+              <a:t>2</a:t>
+            </a:fld>
+            <a:endParaRPr lang="fr-BE"/>
+          </a:p>
+        </p:txBody>
+      </p:sp>
+    </p:spTree>
+    <p:extLst>
+      <p:ext uri="{BB962C8B-B14F-4D97-AF65-F5344CB8AC3E}">
+        <p14:creationId xmlns:p14="http://schemas.microsoft.com/office/powerpoint/2010/main" val="657162355"/>
+      </p:ext>
+    </p:extLst>
+  </p:cSld>
+  <p:clrMapOvr>
+    <a:masterClrMapping/>
+  </p:clrMapOvr>
+</p:sld>
+</file>
+
+<file path=ppt/slides/slide3.xml><?xml version="1.0" encoding="utf-8"?>
+<p:sld xmlns:a="http://schemas.openxmlformats.org/drawingml/2006/main" xmlns:r="http://schemas.openxmlformats.org/officeDocument/2006/relationships" xmlns:p="http://schemas.openxmlformats.org/presentationml/2006/main">
+  <p:cSld>
+    <p:spTree>
+      <p:nvGrpSpPr>
+        <p:cNvPr id="1" name=""/>
+        <p:cNvGrpSpPr/>
+        <p:nvPr/>
+      </p:nvGrpSpPr>
+      <p:grpSpPr>
+        <a:xfrm>
+          <a:off x="0" y="0"/>
+          <a:ext cx="0" cy="0"/>
+          <a:chOff x="0" y="0"/>
+          <a:chExt cx="0" cy="0"/>
+        </a:xfrm>
+      </p:grpSpPr>
+      <p:sp>
+        <p:nvSpPr>
+          <p:cNvPr id="2" name="Titre 1">
+            <a:extLst>
+              <a:ext uri="{FF2B5EF4-FFF2-40B4-BE49-F238E27FC236}">
+                <a16:creationId xmlns:a16="http://schemas.microsoft.com/office/drawing/2014/main" id="{09F0490F-82C6-4AE0-A311-624917FFFFDA}"/>
+              </a:ext>
+            </a:extLst>
+          </p:cNvPr>
+          <p:cNvSpPr>
+            <a:spLocks noGrp="1"/>
+          </p:cNvSpPr>
+          <p:nvPr>
+            <p:ph type="title"/>
+          </p:nvPr>
+        </p:nvSpPr>
+        <p:spPr/>
+        <p:txBody>
+          <a:bodyPr/>
+          <a:lstStyle/>
+          <a:p>
+            <a:r>
+              <a:rPr lang="fr-BE" dirty="0"/>
+              <a:t>Librairies utilisées</a:t>
+            </a:r>
+          </a:p>
+        </p:txBody>
+      </p:sp>
+      <p:sp>
+        <p:nvSpPr>
+          <p:cNvPr id="4" name="Espace réservé du pied de page 3">
+            <a:extLst>
+              <a:ext uri="{FF2B5EF4-FFF2-40B4-BE49-F238E27FC236}">
+                <a16:creationId xmlns:a16="http://schemas.microsoft.com/office/drawing/2014/main" id="{F6E8B731-B142-4276-AA9A-1828FFA35BCB}"/>
+              </a:ext>
+            </a:extLst>
+          </p:cNvPr>
+          <p:cNvSpPr>
+            <a:spLocks noGrp="1"/>
+          </p:cNvSpPr>
+          <p:nvPr>
+            <p:ph type="ftr" sz="quarter" idx="11"/>
+          </p:nvPr>
+        </p:nvSpPr>
+        <p:spPr/>
+        <p:txBody>
+          <a:bodyPr/>
+          <a:lstStyle/>
+          <a:p>
+            <a:r>
+              <a:rPr lang="fr-BE"/>
+              <a:t>Live coding sur le machine learning</a:t>
+            </a:r>
+          </a:p>
+        </p:txBody>
+      </p:sp>
+      <p:sp>
+        <p:nvSpPr>
+          <p:cNvPr id="5" name="Espace réservé du numéro de diapositive 4">
+            <a:extLst>
+              <a:ext uri="{FF2B5EF4-FFF2-40B4-BE49-F238E27FC236}">
+                <a16:creationId xmlns:a16="http://schemas.microsoft.com/office/drawing/2014/main" id="{048A54B2-6A40-4648-B77D-C2FFE6454A68}"/>
+              </a:ext>
+            </a:extLst>
+          </p:cNvPr>
+          <p:cNvSpPr>
+            <a:spLocks noGrp="1"/>
+          </p:cNvSpPr>
+          <p:nvPr>
+            <p:ph type="sldNum" sz="quarter" idx="12"/>
+          </p:nvPr>
+        </p:nvSpPr>
+        <p:spPr/>
+        <p:txBody>
+          <a:bodyPr/>
+          <a:lstStyle/>
+          <a:p>
+            <a:fld id="{564F39E3-1EEC-4562-AD83-1D5737365B38}" type="slidenum">
+              <a:rPr lang="fr-BE" smtClean="0"/>
+              <a:t>3</a:t>
+            </a:fld>
+            <a:endParaRPr lang="fr-BE"/>
+          </a:p>
+        </p:txBody>
+      </p:sp>
+      <p:pic>
+        <p:nvPicPr>
+          <p:cNvPr id="6" name="Image 5">
+            <a:extLst>
+              <a:ext uri="{FF2B5EF4-FFF2-40B4-BE49-F238E27FC236}">
+                <a16:creationId xmlns:a16="http://schemas.microsoft.com/office/drawing/2014/main" id="{1CB613D3-32E0-43C1-814D-CF74979B96DB}"/>
+              </a:ext>
+            </a:extLst>
+          </p:cNvPr>
+          <p:cNvPicPr>
+            <a:picLocks noChangeAspect="1"/>
+          </p:cNvPicPr>
+          <p:nvPr/>
+        </p:nvPicPr>
+        <p:blipFill>
+          <a:blip r:embed="rId2">
+            <a:extLst>
+              <a:ext uri="{28A0092B-C50C-407E-A947-70E740481C1C}">
+                <a14:useLocalDpi xmlns:a14="http://schemas.microsoft.com/office/drawing/2010/main" val="0"/>
+              </a:ext>
+            </a:extLst>
+          </a:blip>
+          <a:stretch>
+            <a:fillRect/>
+          </a:stretch>
+        </p:blipFill>
+        <p:spPr>
+          <a:xfrm>
+            <a:off x="10561077" y="244081"/>
+            <a:ext cx="1367388" cy="1367388"/>
+          </a:xfrm>
+          <a:prstGeom prst="rect">
+            <a:avLst/>
+          </a:prstGeom>
+        </p:spPr>
+      </p:pic>
       <p:pic>
         <p:nvPicPr>
           <p:cNvPr id="10" name="Image 9" descr="Une image contenant clipart&#10;&#10;Description générée automatiquement">
@@ -6432,6 +8701,1450 @@
     <p:extLst>
       <p:ext uri="{BB962C8B-B14F-4D97-AF65-F5344CB8AC3E}">
         <p14:creationId xmlns:p14="http://schemas.microsoft.com/office/powerpoint/2010/main" val="3086602682"/>
+      </p:ext>
+    </p:extLst>
+  </p:cSld>
+  <p:clrMapOvr>
+    <a:masterClrMapping/>
+  </p:clrMapOvr>
+</p:sld>
+</file>
+
+<file path=ppt/slides/slide4.xml><?xml version="1.0" encoding="utf-8"?>
+<p:sld xmlns:a="http://schemas.openxmlformats.org/drawingml/2006/main" xmlns:r="http://schemas.openxmlformats.org/officeDocument/2006/relationships" xmlns:p="http://schemas.openxmlformats.org/presentationml/2006/main">
+  <p:cSld>
+    <p:spTree>
+      <p:nvGrpSpPr>
+        <p:cNvPr id="1" name=""/>
+        <p:cNvGrpSpPr/>
+        <p:nvPr/>
+      </p:nvGrpSpPr>
+      <p:grpSpPr>
+        <a:xfrm>
+          <a:off x="0" y="0"/>
+          <a:ext cx="0" cy="0"/>
+          <a:chOff x="0" y="0"/>
+          <a:chExt cx="0" cy="0"/>
+        </a:xfrm>
+      </p:grpSpPr>
+      <p:sp>
+        <p:nvSpPr>
+          <p:cNvPr id="2" name="Titre 1">
+            <a:extLst>
+              <a:ext uri="{FF2B5EF4-FFF2-40B4-BE49-F238E27FC236}">
+                <a16:creationId xmlns:a16="http://schemas.microsoft.com/office/drawing/2014/main" id="{A0E7F663-D183-4ACB-AC83-617E65DB253B}"/>
+              </a:ext>
+            </a:extLst>
+          </p:cNvPr>
+          <p:cNvSpPr>
+            <a:spLocks noGrp="1"/>
+          </p:cNvSpPr>
+          <p:nvPr>
+            <p:ph type="title"/>
+          </p:nvPr>
+        </p:nvSpPr>
+        <p:spPr/>
+        <p:txBody>
+          <a:bodyPr/>
+          <a:lstStyle/>
+          <a:p>
+            <a:r>
+              <a:rPr lang="fr-BE" dirty="0"/>
+              <a:t>Mise en situation n°1</a:t>
+            </a:r>
+          </a:p>
+        </p:txBody>
+      </p:sp>
+      <p:sp>
+        <p:nvSpPr>
+          <p:cNvPr id="3" name="Espace réservé du texte 2">
+            <a:extLst>
+              <a:ext uri="{FF2B5EF4-FFF2-40B4-BE49-F238E27FC236}">
+                <a16:creationId xmlns:a16="http://schemas.microsoft.com/office/drawing/2014/main" id="{4224D4FA-406A-46F5-8641-E42EAA2859F2}"/>
+              </a:ext>
+            </a:extLst>
+          </p:cNvPr>
+          <p:cNvSpPr>
+            <a:spLocks noGrp="1"/>
+          </p:cNvSpPr>
+          <p:nvPr>
+            <p:ph type="body" idx="1"/>
+          </p:nvPr>
+        </p:nvSpPr>
+        <p:spPr/>
+        <p:txBody>
+          <a:bodyPr/>
+          <a:lstStyle/>
+          <a:p>
+            <a:r>
+              <a:rPr lang="fr-BE" dirty="0"/>
+              <a:t>Régression linéaire simple</a:t>
+            </a:r>
+          </a:p>
+        </p:txBody>
+      </p:sp>
+      <p:sp>
+        <p:nvSpPr>
+          <p:cNvPr id="4" name="Espace réservé du pied de page 3">
+            <a:extLst>
+              <a:ext uri="{FF2B5EF4-FFF2-40B4-BE49-F238E27FC236}">
+                <a16:creationId xmlns:a16="http://schemas.microsoft.com/office/drawing/2014/main" id="{51703DFD-686C-450B-9E8B-4667818B5A1F}"/>
+              </a:ext>
+            </a:extLst>
+          </p:cNvPr>
+          <p:cNvSpPr>
+            <a:spLocks noGrp="1"/>
+          </p:cNvSpPr>
+          <p:nvPr>
+            <p:ph type="ftr" sz="quarter" idx="11"/>
+          </p:nvPr>
+        </p:nvSpPr>
+        <p:spPr/>
+        <p:txBody>
+          <a:bodyPr/>
+          <a:lstStyle/>
+          <a:p>
+            <a:r>
+              <a:rPr lang="fr-BE"/>
+              <a:t>Live coding sur le machine learning</a:t>
+            </a:r>
+          </a:p>
+        </p:txBody>
+      </p:sp>
+      <p:sp>
+        <p:nvSpPr>
+          <p:cNvPr id="5" name="Espace réservé du numéro de diapositive 4">
+            <a:extLst>
+              <a:ext uri="{FF2B5EF4-FFF2-40B4-BE49-F238E27FC236}">
+                <a16:creationId xmlns:a16="http://schemas.microsoft.com/office/drawing/2014/main" id="{C066CD4B-8307-46B4-85D3-823A92242B9F}"/>
+              </a:ext>
+            </a:extLst>
+          </p:cNvPr>
+          <p:cNvSpPr>
+            <a:spLocks noGrp="1"/>
+          </p:cNvSpPr>
+          <p:nvPr>
+            <p:ph type="sldNum" sz="quarter" idx="12"/>
+          </p:nvPr>
+        </p:nvSpPr>
+        <p:spPr/>
+        <p:txBody>
+          <a:bodyPr/>
+          <a:lstStyle/>
+          <a:p>
+            <a:fld id="{1786CA3C-090E-4C54-8D23-EF251525DFE6}" type="slidenum">
+              <a:rPr lang="fr-BE" smtClean="0"/>
+              <a:t>4</a:t>
+            </a:fld>
+            <a:endParaRPr lang="fr-BE"/>
+          </a:p>
+        </p:txBody>
+      </p:sp>
+      <p:pic>
+        <p:nvPicPr>
+          <p:cNvPr id="6" name="Image 5">
+            <a:extLst>
+              <a:ext uri="{FF2B5EF4-FFF2-40B4-BE49-F238E27FC236}">
+                <a16:creationId xmlns:a16="http://schemas.microsoft.com/office/drawing/2014/main" id="{02BFB233-D699-4750-BC49-F7EB35D78D46}"/>
+              </a:ext>
+            </a:extLst>
+          </p:cNvPr>
+          <p:cNvPicPr>
+            <a:picLocks noChangeAspect="1"/>
+          </p:cNvPicPr>
+          <p:nvPr/>
+        </p:nvPicPr>
+        <p:blipFill>
+          <a:blip r:embed="rId2">
+            <a:extLst>
+              <a:ext uri="{28A0092B-C50C-407E-A947-70E740481C1C}">
+                <a14:useLocalDpi xmlns:a14="http://schemas.microsoft.com/office/drawing/2010/main" val="0"/>
+              </a:ext>
+            </a:extLst>
+          </a:blip>
+          <a:stretch>
+            <a:fillRect/>
+          </a:stretch>
+        </p:blipFill>
+        <p:spPr>
+          <a:xfrm>
+            <a:off x="10561077" y="244081"/>
+            <a:ext cx="1367388" cy="1367388"/>
+          </a:xfrm>
+          <a:prstGeom prst="rect">
+            <a:avLst/>
+          </a:prstGeom>
+        </p:spPr>
+      </p:pic>
+    </p:spTree>
+    <p:extLst>
+      <p:ext uri="{BB962C8B-B14F-4D97-AF65-F5344CB8AC3E}">
+        <p14:creationId xmlns:p14="http://schemas.microsoft.com/office/powerpoint/2010/main" val="860652319"/>
+      </p:ext>
+    </p:extLst>
+  </p:cSld>
+  <p:clrMapOvr>
+    <a:masterClrMapping/>
+  </p:clrMapOvr>
+</p:sld>
+</file>
+
+<file path=ppt/slides/slide5.xml><?xml version="1.0" encoding="utf-8"?>
+<p:sld xmlns:a="http://schemas.openxmlformats.org/drawingml/2006/main" xmlns:r="http://schemas.openxmlformats.org/officeDocument/2006/relationships" xmlns:p="http://schemas.openxmlformats.org/presentationml/2006/main">
+  <p:cSld>
+    <p:spTree>
+      <p:nvGrpSpPr>
+        <p:cNvPr id="1" name=""/>
+        <p:cNvGrpSpPr/>
+        <p:nvPr/>
+      </p:nvGrpSpPr>
+      <p:grpSpPr>
+        <a:xfrm>
+          <a:off x="0" y="0"/>
+          <a:ext cx="0" cy="0"/>
+          <a:chOff x="0" y="0"/>
+          <a:chExt cx="0" cy="0"/>
+        </a:xfrm>
+      </p:grpSpPr>
+      <p:sp>
+        <p:nvSpPr>
+          <p:cNvPr id="2" name="Titre 1">
+            <a:extLst>
+              <a:ext uri="{FF2B5EF4-FFF2-40B4-BE49-F238E27FC236}">
+                <a16:creationId xmlns:a16="http://schemas.microsoft.com/office/drawing/2014/main" id="{480A2402-BFB6-4AF5-B96A-F3F143853C5C}"/>
+              </a:ext>
+            </a:extLst>
+          </p:cNvPr>
+          <p:cNvSpPr>
+            <a:spLocks noGrp="1"/>
+          </p:cNvSpPr>
+          <p:nvPr>
+            <p:ph type="title"/>
+          </p:nvPr>
+        </p:nvSpPr>
+        <p:spPr/>
+        <p:txBody>
+          <a:bodyPr>
+            <a:normAutofit fontScale="90000"/>
+          </a:bodyPr>
+          <a:lstStyle/>
+          <a:p>
+            <a:r>
+              <a:rPr lang="fr-BE" dirty="0"/>
+              <a:t>1. Régression linéaire simple</a:t>
+            </a:r>
+            <a:br>
+              <a:rPr lang="fr-BE" dirty="0"/>
+            </a:br>
+            <a:r>
+              <a:rPr lang="fr-BE" dirty="0"/>
+              <a:t>A. Importation des données</a:t>
+            </a:r>
+          </a:p>
+        </p:txBody>
+      </p:sp>
+      <p:pic>
+        <p:nvPicPr>
+          <p:cNvPr id="8" name="Espace réservé du contenu 7">
+            <a:extLst>
+              <a:ext uri="{FF2B5EF4-FFF2-40B4-BE49-F238E27FC236}">
+                <a16:creationId xmlns:a16="http://schemas.microsoft.com/office/drawing/2014/main" id="{E781552E-B473-4285-8C98-740C18F4A5FF}"/>
+              </a:ext>
+            </a:extLst>
+          </p:cNvPr>
+          <p:cNvPicPr>
+            <a:picLocks noGrp="1" noChangeAspect="1"/>
+          </p:cNvPicPr>
+          <p:nvPr>
+            <p:ph idx="1"/>
+          </p:nvPr>
+        </p:nvPicPr>
+        <p:blipFill>
+          <a:blip r:embed="rId2"/>
+          <a:stretch>
+            <a:fillRect/>
+          </a:stretch>
+        </p:blipFill>
+        <p:spPr>
+          <a:xfrm>
+            <a:off x="1295401" y="2681102"/>
+            <a:ext cx="5229955" cy="685896"/>
+          </a:xfrm>
+        </p:spPr>
+      </p:pic>
+      <p:pic>
+        <p:nvPicPr>
+          <p:cNvPr id="4" name="Image 3">
+            <a:extLst>
+              <a:ext uri="{FF2B5EF4-FFF2-40B4-BE49-F238E27FC236}">
+                <a16:creationId xmlns:a16="http://schemas.microsoft.com/office/drawing/2014/main" id="{AA7CA55F-9C59-4F79-BD90-2D8F3F14F2B7}"/>
+              </a:ext>
+            </a:extLst>
+          </p:cNvPr>
+          <p:cNvPicPr>
+            <a:picLocks noChangeAspect="1"/>
+          </p:cNvPicPr>
+          <p:nvPr/>
+        </p:nvPicPr>
+        <p:blipFill>
+          <a:blip r:embed="rId3">
+            <a:extLst>
+              <a:ext uri="{28A0092B-C50C-407E-A947-70E740481C1C}">
+                <a14:useLocalDpi xmlns:a14="http://schemas.microsoft.com/office/drawing/2010/main" val="0"/>
+              </a:ext>
+            </a:extLst>
+          </a:blip>
+          <a:stretch>
+            <a:fillRect/>
+          </a:stretch>
+        </p:blipFill>
+        <p:spPr>
+          <a:xfrm>
+            <a:off x="10561077" y="244081"/>
+            <a:ext cx="1367388" cy="1367388"/>
+          </a:xfrm>
+          <a:prstGeom prst="rect">
+            <a:avLst/>
+          </a:prstGeom>
+        </p:spPr>
+      </p:pic>
+      <p:sp>
+        <p:nvSpPr>
+          <p:cNvPr id="5" name="Espace réservé du pied de page 4">
+            <a:extLst>
+              <a:ext uri="{FF2B5EF4-FFF2-40B4-BE49-F238E27FC236}">
+                <a16:creationId xmlns:a16="http://schemas.microsoft.com/office/drawing/2014/main" id="{6CC8B31D-ABB9-4A0B-9F9C-14BEC4679AD3}"/>
+              </a:ext>
+            </a:extLst>
+          </p:cNvPr>
+          <p:cNvSpPr>
+            <a:spLocks noGrp="1"/>
+          </p:cNvSpPr>
+          <p:nvPr>
+            <p:ph type="ftr" sz="quarter" idx="11"/>
+          </p:nvPr>
+        </p:nvSpPr>
+        <p:spPr/>
+        <p:txBody>
+          <a:bodyPr/>
+          <a:lstStyle/>
+          <a:p>
+            <a:r>
+              <a:rPr lang="fr-BE"/>
+              <a:t>Live coding sur le machine learning</a:t>
+            </a:r>
+          </a:p>
+        </p:txBody>
+      </p:sp>
+      <p:sp>
+        <p:nvSpPr>
+          <p:cNvPr id="6" name="Espace réservé du numéro de diapositive 5">
+            <a:extLst>
+              <a:ext uri="{FF2B5EF4-FFF2-40B4-BE49-F238E27FC236}">
+                <a16:creationId xmlns:a16="http://schemas.microsoft.com/office/drawing/2014/main" id="{154F7B0F-5CF8-4A60-879E-6D24152F9E01}"/>
+              </a:ext>
+            </a:extLst>
+          </p:cNvPr>
+          <p:cNvSpPr>
+            <a:spLocks noGrp="1"/>
+          </p:cNvSpPr>
+          <p:nvPr>
+            <p:ph type="sldNum" sz="quarter" idx="12"/>
+          </p:nvPr>
+        </p:nvSpPr>
+        <p:spPr/>
+        <p:txBody>
+          <a:bodyPr/>
+          <a:lstStyle/>
+          <a:p>
+            <a:fld id="{1786CA3C-090E-4C54-8D23-EF251525DFE6}" type="slidenum">
+              <a:rPr lang="fr-BE" smtClean="0"/>
+              <a:t>5</a:t>
+            </a:fld>
+            <a:endParaRPr lang="fr-BE"/>
+          </a:p>
+        </p:txBody>
+      </p:sp>
+      <p:pic>
+        <p:nvPicPr>
+          <p:cNvPr id="10" name="Image 9">
+            <a:extLst>
+              <a:ext uri="{FF2B5EF4-FFF2-40B4-BE49-F238E27FC236}">
+                <a16:creationId xmlns:a16="http://schemas.microsoft.com/office/drawing/2014/main" id="{14E226FB-473D-41B1-B8A1-4726014D5589}"/>
+              </a:ext>
+            </a:extLst>
+          </p:cNvPr>
+          <p:cNvPicPr>
+            <a:picLocks noChangeAspect="1"/>
+          </p:cNvPicPr>
+          <p:nvPr/>
+        </p:nvPicPr>
+        <p:blipFill>
+          <a:blip r:embed="rId4"/>
+          <a:stretch>
+            <a:fillRect/>
+          </a:stretch>
+        </p:blipFill>
+        <p:spPr>
+          <a:xfrm>
+            <a:off x="2758539" y="3486734"/>
+            <a:ext cx="1790950" cy="2362530"/>
+          </a:xfrm>
+          <a:prstGeom prst="rect">
+            <a:avLst/>
+          </a:prstGeom>
+        </p:spPr>
+      </p:pic>
+      <p:pic>
+        <p:nvPicPr>
+          <p:cNvPr id="12" name="Image 11">
+            <a:extLst>
+              <a:ext uri="{FF2B5EF4-FFF2-40B4-BE49-F238E27FC236}">
+                <a16:creationId xmlns:a16="http://schemas.microsoft.com/office/drawing/2014/main" id="{2B320E42-8755-42F9-AF4E-42E825F90AAE}"/>
+              </a:ext>
+            </a:extLst>
+          </p:cNvPr>
+          <p:cNvPicPr>
+            <a:picLocks noChangeAspect="1"/>
+          </p:cNvPicPr>
+          <p:nvPr/>
+        </p:nvPicPr>
+        <p:blipFill>
+          <a:blip r:embed="rId5"/>
+          <a:stretch>
+            <a:fillRect/>
+          </a:stretch>
+        </p:blipFill>
+        <p:spPr>
+          <a:xfrm>
+            <a:off x="6905066" y="2572334"/>
+            <a:ext cx="3991532" cy="1324160"/>
+          </a:xfrm>
+          <a:prstGeom prst="rect">
+            <a:avLst/>
+          </a:prstGeom>
+        </p:spPr>
+      </p:pic>
+    </p:spTree>
+    <p:extLst>
+      <p:ext uri="{BB962C8B-B14F-4D97-AF65-F5344CB8AC3E}">
+        <p14:creationId xmlns:p14="http://schemas.microsoft.com/office/powerpoint/2010/main" val="3756880618"/>
+      </p:ext>
+    </p:extLst>
+  </p:cSld>
+  <p:clrMapOvr>
+    <a:masterClrMapping/>
+  </p:clrMapOvr>
+</p:sld>
+</file>
+
+<file path=ppt/slides/slide6.xml><?xml version="1.0" encoding="utf-8"?>
+<p:sld xmlns:a="http://schemas.openxmlformats.org/drawingml/2006/main" xmlns:r="http://schemas.openxmlformats.org/officeDocument/2006/relationships" xmlns:p="http://schemas.openxmlformats.org/presentationml/2006/main">
+  <p:cSld>
+    <p:spTree>
+      <p:nvGrpSpPr>
+        <p:cNvPr id="1" name=""/>
+        <p:cNvGrpSpPr/>
+        <p:nvPr/>
+      </p:nvGrpSpPr>
+      <p:grpSpPr>
+        <a:xfrm>
+          <a:off x="0" y="0"/>
+          <a:ext cx="0" cy="0"/>
+          <a:chOff x="0" y="0"/>
+          <a:chExt cx="0" cy="0"/>
+        </a:xfrm>
+      </p:grpSpPr>
+      <p:sp>
+        <p:nvSpPr>
+          <p:cNvPr id="2" name="Titre 1">
+            <a:extLst>
+              <a:ext uri="{FF2B5EF4-FFF2-40B4-BE49-F238E27FC236}">
+                <a16:creationId xmlns:a16="http://schemas.microsoft.com/office/drawing/2014/main" id="{480A2402-BFB6-4AF5-B96A-F3F143853C5C}"/>
+              </a:ext>
+            </a:extLst>
+          </p:cNvPr>
+          <p:cNvSpPr>
+            <a:spLocks noGrp="1"/>
+          </p:cNvSpPr>
+          <p:nvPr>
+            <p:ph type="title"/>
+          </p:nvPr>
+        </p:nvSpPr>
+        <p:spPr/>
+        <p:txBody>
+          <a:bodyPr>
+            <a:normAutofit fontScale="90000"/>
+          </a:bodyPr>
+          <a:lstStyle/>
+          <a:p>
+            <a:r>
+              <a:rPr lang="fr-BE" dirty="0"/>
+              <a:t>1. Régression linéaire simple</a:t>
+            </a:r>
+            <a:br>
+              <a:rPr lang="fr-BE" dirty="0"/>
+            </a:br>
+            <a:r>
+              <a:rPr lang="fr-BE" dirty="0"/>
+              <a:t>B. Visualisation + fonction prédictive</a:t>
+            </a:r>
+          </a:p>
+        </p:txBody>
+      </p:sp>
+      <p:pic>
+        <p:nvPicPr>
+          <p:cNvPr id="8" name="Espace réservé du contenu 7">
+            <a:extLst>
+              <a:ext uri="{FF2B5EF4-FFF2-40B4-BE49-F238E27FC236}">
+                <a16:creationId xmlns:a16="http://schemas.microsoft.com/office/drawing/2014/main" id="{89A0118E-8D60-4D9F-8176-6BB747C038B8}"/>
+              </a:ext>
+            </a:extLst>
+          </p:cNvPr>
+          <p:cNvPicPr>
+            <a:picLocks noGrp="1" noChangeAspect="1"/>
+          </p:cNvPicPr>
+          <p:nvPr>
+            <p:ph idx="1"/>
+          </p:nvPr>
+        </p:nvPicPr>
+        <p:blipFill>
+          <a:blip r:embed="rId2"/>
+          <a:stretch>
+            <a:fillRect/>
+          </a:stretch>
+        </p:blipFill>
+        <p:spPr>
+          <a:xfrm>
+            <a:off x="1295401" y="2630394"/>
+            <a:ext cx="3581900" cy="1343212"/>
+          </a:xfrm>
+        </p:spPr>
+      </p:pic>
+      <p:pic>
+        <p:nvPicPr>
+          <p:cNvPr id="4" name="Image 3">
+            <a:extLst>
+              <a:ext uri="{FF2B5EF4-FFF2-40B4-BE49-F238E27FC236}">
+                <a16:creationId xmlns:a16="http://schemas.microsoft.com/office/drawing/2014/main" id="{82BC066D-79A2-49C3-B807-F2F503E5A75B}"/>
+              </a:ext>
+            </a:extLst>
+          </p:cNvPr>
+          <p:cNvPicPr>
+            <a:picLocks noChangeAspect="1"/>
+          </p:cNvPicPr>
+          <p:nvPr/>
+        </p:nvPicPr>
+        <p:blipFill>
+          <a:blip r:embed="rId3">
+            <a:extLst>
+              <a:ext uri="{28A0092B-C50C-407E-A947-70E740481C1C}">
+                <a14:useLocalDpi xmlns:a14="http://schemas.microsoft.com/office/drawing/2010/main" val="0"/>
+              </a:ext>
+            </a:extLst>
+          </a:blip>
+          <a:stretch>
+            <a:fillRect/>
+          </a:stretch>
+        </p:blipFill>
+        <p:spPr>
+          <a:xfrm>
+            <a:off x="10561077" y="244081"/>
+            <a:ext cx="1367388" cy="1367388"/>
+          </a:xfrm>
+          <a:prstGeom prst="rect">
+            <a:avLst/>
+          </a:prstGeom>
+        </p:spPr>
+      </p:pic>
+      <p:sp>
+        <p:nvSpPr>
+          <p:cNvPr id="5" name="Espace réservé du pied de page 4">
+            <a:extLst>
+              <a:ext uri="{FF2B5EF4-FFF2-40B4-BE49-F238E27FC236}">
+                <a16:creationId xmlns:a16="http://schemas.microsoft.com/office/drawing/2014/main" id="{E3A79942-ABED-45AB-88B4-283516B00EFF}"/>
+              </a:ext>
+            </a:extLst>
+          </p:cNvPr>
+          <p:cNvSpPr>
+            <a:spLocks noGrp="1"/>
+          </p:cNvSpPr>
+          <p:nvPr>
+            <p:ph type="ftr" sz="quarter" idx="11"/>
+          </p:nvPr>
+        </p:nvSpPr>
+        <p:spPr/>
+        <p:txBody>
+          <a:bodyPr/>
+          <a:lstStyle/>
+          <a:p>
+            <a:r>
+              <a:rPr lang="fr-BE"/>
+              <a:t>Live coding sur le machine learning</a:t>
+            </a:r>
+          </a:p>
+        </p:txBody>
+      </p:sp>
+      <p:sp>
+        <p:nvSpPr>
+          <p:cNvPr id="6" name="Espace réservé du numéro de diapositive 5">
+            <a:extLst>
+              <a:ext uri="{FF2B5EF4-FFF2-40B4-BE49-F238E27FC236}">
+                <a16:creationId xmlns:a16="http://schemas.microsoft.com/office/drawing/2014/main" id="{20AF2FCC-D6DA-4983-9781-819C483E9A73}"/>
+              </a:ext>
+            </a:extLst>
+          </p:cNvPr>
+          <p:cNvSpPr>
+            <a:spLocks noGrp="1"/>
+          </p:cNvSpPr>
+          <p:nvPr>
+            <p:ph type="sldNum" sz="quarter" idx="12"/>
+          </p:nvPr>
+        </p:nvSpPr>
+        <p:spPr/>
+        <p:txBody>
+          <a:bodyPr/>
+          <a:lstStyle/>
+          <a:p>
+            <a:fld id="{1786CA3C-090E-4C54-8D23-EF251525DFE6}" type="slidenum">
+              <a:rPr lang="fr-BE" smtClean="0"/>
+              <a:t>6</a:t>
+            </a:fld>
+            <a:endParaRPr lang="fr-BE"/>
+          </a:p>
+        </p:txBody>
+      </p:sp>
+      <p:pic>
+        <p:nvPicPr>
+          <p:cNvPr id="10" name="Image 9">
+            <a:extLst>
+              <a:ext uri="{FF2B5EF4-FFF2-40B4-BE49-F238E27FC236}">
+                <a16:creationId xmlns:a16="http://schemas.microsoft.com/office/drawing/2014/main" id="{45EEC700-5AAF-42EF-8705-B6718DA11856}"/>
+              </a:ext>
+            </a:extLst>
+          </p:cNvPr>
+          <p:cNvPicPr>
+            <a:picLocks noChangeAspect="1"/>
+          </p:cNvPicPr>
+          <p:nvPr/>
+        </p:nvPicPr>
+        <p:blipFill>
+          <a:blip r:embed="rId4"/>
+          <a:stretch>
+            <a:fillRect/>
+          </a:stretch>
+        </p:blipFill>
+        <p:spPr>
+          <a:xfrm>
+            <a:off x="5664663" y="2616125"/>
+            <a:ext cx="5144218" cy="990738"/>
+          </a:xfrm>
+          <a:prstGeom prst="rect">
+            <a:avLst/>
+          </a:prstGeom>
+        </p:spPr>
+      </p:pic>
+      <p:pic>
+        <p:nvPicPr>
+          <p:cNvPr id="12" name="Image 11">
+            <a:extLst>
+              <a:ext uri="{FF2B5EF4-FFF2-40B4-BE49-F238E27FC236}">
+                <a16:creationId xmlns:a16="http://schemas.microsoft.com/office/drawing/2014/main" id="{E5B6CD57-598C-47F0-8A6C-38070F7A5809}"/>
+              </a:ext>
+            </a:extLst>
+          </p:cNvPr>
+          <p:cNvPicPr>
+            <a:picLocks noChangeAspect="1"/>
+          </p:cNvPicPr>
+          <p:nvPr/>
+        </p:nvPicPr>
+        <p:blipFill>
+          <a:blip r:embed="rId5"/>
+          <a:stretch>
+            <a:fillRect/>
+          </a:stretch>
+        </p:blipFill>
+        <p:spPr>
+          <a:xfrm>
+            <a:off x="3904699" y="3790607"/>
+            <a:ext cx="3715268" cy="2457793"/>
+          </a:xfrm>
+          <a:prstGeom prst="rect">
+            <a:avLst/>
+          </a:prstGeom>
+        </p:spPr>
+      </p:pic>
+    </p:spTree>
+    <p:extLst>
+      <p:ext uri="{BB962C8B-B14F-4D97-AF65-F5344CB8AC3E}">
+        <p14:creationId xmlns:p14="http://schemas.microsoft.com/office/powerpoint/2010/main" val="3229110138"/>
+      </p:ext>
+    </p:extLst>
+  </p:cSld>
+  <p:clrMapOvr>
+    <a:masterClrMapping/>
+  </p:clrMapOvr>
+</p:sld>
+</file>
+
+<file path=ppt/slides/slide7.xml><?xml version="1.0" encoding="utf-8"?>
+<p:sld xmlns:a="http://schemas.openxmlformats.org/drawingml/2006/main" xmlns:r="http://schemas.openxmlformats.org/officeDocument/2006/relationships" xmlns:p="http://schemas.openxmlformats.org/presentationml/2006/main">
+  <p:cSld>
+    <p:spTree>
+      <p:nvGrpSpPr>
+        <p:cNvPr id="1" name=""/>
+        <p:cNvGrpSpPr/>
+        <p:nvPr/>
+      </p:nvGrpSpPr>
+      <p:grpSpPr>
+        <a:xfrm>
+          <a:off x="0" y="0"/>
+          <a:ext cx="0" cy="0"/>
+          <a:chOff x="0" y="0"/>
+          <a:chExt cx="0" cy="0"/>
+        </a:xfrm>
+      </p:grpSpPr>
+      <p:sp>
+        <p:nvSpPr>
+          <p:cNvPr id="2" name="Titre 1">
+            <a:extLst>
+              <a:ext uri="{FF2B5EF4-FFF2-40B4-BE49-F238E27FC236}">
+                <a16:creationId xmlns:a16="http://schemas.microsoft.com/office/drawing/2014/main" id="{480A2402-BFB6-4AF5-B96A-F3F143853C5C}"/>
+              </a:ext>
+            </a:extLst>
+          </p:cNvPr>
+          <p:cNvSpPr>
+            <a:spLocks noGrp="1"/>
+          </p:cNvSpPr>
+          <p:nvPr>
+            <p:ph type="title"/>
+          </p:nvPr>
+        </p:nvSpPr>
+        <p:spPr/>
+        <p:txBody>
+          <a:bodyPr>
+            <a:normAutofit fontScale="90000"/>
+          </a:bodyPr>
+          <a:lstStyle/>
+          <a:p>
+            <a:r>
+              <a:rPr lang="fr-BE" dirty="0"/>
+              <a:t>1. Régression linéaire simple</a:t>
+            </a:r>
+            <a:br>
+              <a:rPr lang="fr-BE" dirty="0"/>
+            </a:br>
+            <a:r>
+              <a:rPr lang="fr-BE" dirty="0"/>
+              <a:t>C. Application de la régression + prédiction</a:t>
+            </a:r>
+          </a:p>
+        </p:txBody>
+      </p:sp>
+      <p:pic>
+        <p:nvPicPr>
+          <p:cNvPr id="8" name="Espace réservé du contenu 7">
+            <a:extLst>
+              <a:ext uri="{FF2B5EF4-FFF2-40B4-BE49-F238E27FC236}">
+                <a16:creationId xmlns:a16="http://schemas.microsoft.com/office/drawing/2014/main" id="{A2315D82-AC89-410D-B6F1-370CAC54EA7E}"/>
+              </a:ext>
+            </a:extLst>
+          </p:cNvPr>
+          <p:cNvPicPr>
+            <a:picLocks noGrp="1" noChangeAspect="1"/>
+          </p:cNvPicPr>
+          <p:nvPr>
+            <p:ph idx="1"/>
+          </p:nvPr>
+        </p:nvPicPr>
+        <p:blipFill>
+          <a:blip r:embed="rId2"/>
+          <a:stretch>
+            <a:fillRect/>
+          </a:stretch>
+        </p:blipFill>
+        <p:spPr>
+          <a:xfrm>
+            <a:off x="1150759" y="2486039"/>
+            <a:ext cx="3629532" cy="857370"/>
+          </a:xfrm>
+        </p:spPr>
+      </p:pic>
+      <p:pic>
+        <p:nvPicPr>
+          <p:cNvPr id="4" name="Image 3">
+            <a:extLst>
+              <a:ext uri="{FF2B5EF4-FFF2-40B4-BE49-F238E27FC236}">
+                <a16:creationId xmlns:a16="http://schemas.microsoft.com/office/drawing/2014/main" id="{005DD121-C9F4-4D95-8B0F-5FD7C5AC1878}"/>
+              </a:ext>
+            </a:extLst>
+          </p:cNvPr>
+          <p:cNvPicPr>
+            <a:picLocks noChangeAspect="1"/>
+          </p:cNvPicPr>
+          <p:nvPr/>
+        </p:nvPicPr>
+        <p:blipFill>
+          <a:blip r:embed="rId3">
+            <a:extLst>
+              <a:ext uri="{28A0092B-C50C-407E-A947-70E740481C1C}">
+                <a14:useLocalDpi xmlns:a14="http://schemas.microsoft.com/office/drawing/2010/main" val="0"/>
+              </a:ext>
+            </a:extLst>
+          </a:blip>
+          <a:stretch>
+            <a:fillRect/>
+          </a:stretch>
+        </p:blipFill>
+        <p:spPr>
+          <a:xfrm>
+            <a:off x="10561077" y="244081"/>
+            <a:ext cx="1367388" cy="1367388"/>
+          </a:xfrm>
+          <a:prstGeom prst="rect">
+            <a:avLst/>
+          </a:prstGeom>
+        </p:spPr>
+      </p:pic>
+      <p:sp>
+        <p:nvSpPr>
+          <p:cNvPr id="5" name="Espace réservé du pied de page 4">
+            <a:extLst>
+              <a:ext uri="{FF2B5EF4-FFF2-40B4-BE49-F238E27FC236}">
+                <a16:creationId xmlns:a16="http://schemas.microsoft.com/office/drawing/2014/main" id="{F4274E46-7585-4B3A-BF47-926653D76A77}"/>
+              </a:ext>
+            </a:extLst>
+          </p:cNvPr>
+          <p:cNvSpPr>
+            <a:spLocks noGrp="1"/>
+          </p:cNvSpPr>
+          <p:nvPr>
+            <p:ph type="ftr" sz="quarter" idx="11"/>
+          </p:nvPr>
+        </p:nvSpPr>
+        <p:spPr/>
+        <p:txBody>
+          <a:bodyPr/>
+          <a:lstStyle/>
+          <a:p>
+            <a:r>
+              <a:rPr lang="fr-BE"/>
+              <a:t>Live coding sur le machine learning</a:t>
+            </a:r>
+          </a:p>
+        </p:txBody>
+      </p:sp>
+      <p:sp>
+        <p:nvSpPr>
+          <p:cNvPr id="6" name="Espace réservé du numéro de diapositive 5">
+            <a:extLst>
+              <a:ext uri="{FF2B5EF4-FFF2-40B4-BE49-F238E27FC236}">
+                <a16:creationId xmlns:a16="http://schemas.microsoft.com/office/drawing/2014/main" id="{BF39F6D4-5B01-476F-BE60-B32108A1ABAA}"/>
+              </a:ext>
+            </a:extLst>
+          </p:cNvPr>
+          <p:cNvSpPr>
+            <a:spLocks noGrp="1"/>
+          </p:cNvSpPr>
+          <p:nvPr>
+            <p:ph type="sldNum" sz="quarter" idx="12"/>
+          </p:nvPr>
+        </p:nvSpPr>
+        <p:spPr/>
+        <p:txBody>
+          <a:bodyPr/>
+          <a:lstStyle/>
+          <a:p>
+            <a:fld id="{1786CA3C-090E-4C54-8D23-EF251525DFE6}" type="slidenum">
+              <a:rPr lang="fr-BE" smtClean="0"/>
+              <a:t>7</a:t>
+            </a:fld>
+            <a:endParaRPr lang="fr-BE"/>
+          </a:p>
+        </p:txBody>
+      </p:sp>
+      <p:pic>
+        <p:nvPicPr>
+          <p:cNvPr id="10" name="Image 9">
+            <a:extLst>
+              <a:ext uri="{FF2B5EF4-FFF2-40B4-BE49-F238E27FC236}">
+                <a16:creationId xmlns:a16="http://schemas.microsoft.com/office/drawing/2014/main" id="{98F79931-8E3F-4699-9DBE-754E0FE78263}"/>
+              </a:ext>
+            </a:extLst>
+          </p:cNvPr>
+          <p:cNvPicPr>
+            <a:picLocks noChangeAspect="1"/>
+          </p:cNvPicPr>
+          <p:nvPr/>
+        </p:nvPicPr>
+        <p:blipFill>
+          <a:blip r:embed="rId4"/>
+          <a:stretch>
+            <a:fillRect/>
+          </a:stretch>
+        </p:blipFill>
+        <p:spPr>
+          <a:xfrm>
+            <a:off x="1147346" y="3514592"/>
+            <a:ext cx="3801005" cy="2524477"/>
+          </a:xfrm>
+          <a:prstGeom prst="rect">
+            <a:avLst/>
+          </a:prstGeom>
+        </p:spPr>
+      </p:pic>
+      <p:pic>
+        <p:nvPicPr>
+          <p:cNvPr id="12" name="Image 11">
+            <a:extLst>
+              <a:ext uri="{FF2B5EF4-FFF2-40B4-BE49-F238E27FC236}">
+                <a16:creationId xmlns:a16="http://schemas.microsoft.com/office/drawing/2014/main" id="{1F6D6B9C-8888-411F-BE10-54ADAF0013F6}"/>
+              </a:ext>
+            </a:extLst>
+          </p:cNvPr>
+          <p:cNvPicPr>
+            <a:picLocks noChangeAspect="1"/>
+          </p:cNvPicPr>
+          <p:nvPr/>
+        </p:nvPicPr>
+        <p:blipFill>
+          <a:blip r:embed="rId5"/>
+          <a:stretch>
+            <a:fillRect/>
+          </a:stretch>
+        </p:blipFill>
+        <p:spPr>
+          <a:xfrm>
+            <a:off x="6667212" y="2562250"/>
+            <a:ext cx="3686689" cy="704948"/>
+          </a:xfrm>
+          <a:prstGeom prst="rect">
+            <a:avLst/>
+          </a:prstGeom>
+        </p:spPr>
+      </p:pic>
+      <p:pic>
+        <p:nvPicPr>
+          <p:cNvPr id="14" name="Image 13">
+            <a:extLst>
+              <a:ext uri="{FF2B5EF4-FFF2-40B4-BE49-F238E27FC236}">
+                <a16:creationId xmlns:a16="http://schemas.microsoft.com/office/drawing/2014/main" id="{5B601402-75A2-4F9A-A3D0-7C294A43F0C9}"/>
+              </a:ext>
+            </a:extLst>
+          </p:cNvPr>
+          <p:cNvPicPr>
+            <a:picLocks noChangeAspect="1"/>
+          </p:cNvPicPr>
+          <p:nvPr/>
+        </p:nvPicPr>
+        <p:blipFill>
+          <a:blip r:embed="rId6"/>
+          <a:stretch>
+            <a:fillRect/>
+          </a:stretch>
+        </p:blipFill>
+        <p:spPr>
+          <a:xfrm>
+            <a:off x="6667212" y="3343409"/>
+            <a:ext cx="3296110" cy="714475"/>
+          </a:xfrm>
+          <a:prstGeom prst="rect">
+            <a:avLst/>
+          </a:prstGeom>
+        </p:spPr>
+      </p:pic>
+    </p:spTree>
+    <p:extLst>
+      <p:ext uri="{BB962C8B-B14F-4D97-AF65-F5344CB8AC3E}">
+        <p14:creationId xmlns:p14="http://schemas.microsoft.com/office/powerpoint/2010/main" val="1530409467"/>
+      </p:ext>
+    </p:extLst>
+  </p:cSld>
+  <p:clrMapOvr>
+    <a:masterClrMapping/>
+  </p:clrMapOvr>
+</p:sld>
+</file>
+
+<file path=ppt/slides/slide8.xml><?xml version="1.0" encoding="utf-8"?>
+<p:sld xmlns:a="http://schemas.openxmlformats.org/drawingml/2006/main" xmlns:r="http://schemas.openxmlformats.org/officeDocument/2006/relationships" xmlns:p="http://schemas.openxmlformats.org/presentationml/2006/main">
+  <p:cSld>
+    <p:spTree>
+      <p:nvGrpSpPr>
+        <p:cNvPr id="1" name=""/>
+        <p:cNvGrpSpPr/>
+        <p:nvPr/>
+      </p:nvGrpSpPr>
+      <p:grpSpPr>
+        <a:xfrm>
+          <a:off x="0" y="0"/>
+          <a:ext cx="0" cy="0"/>
+          <a:chOff x="0" y="0"/>
+          <a:chExt cx="0" cy="0"/>
+        </a:xfrm>
+      </p:grpSpPr>
+      <p:sp>
+        <p:nvSpPr>
+          <p:cNvPr id="2" name="Titre 1">
+            <a:extLst>
+              <a:ext uri="{FF2B5EF4-FFF2-40B4-BE49-F238E27FC236}">
+                <a16:creationId xmlns:a16="http://schemas.microsoft.com/office/drawing/2014/main" id="{A0E7F663-D183-4ACB-AC83-617E65DB253B}"/>
+              </a:ext>
+            </a:extLst>
+          </p:cNvPr>
+          <p:cNvSpPr>
+            <a:spLocks noGrp="1"/>
+          </p:cNvSpPr>
+          <p:nvPr>
+            <p:ph type="title"/>
+          </p:nvPr>
+        </p:nvSpPr>
+        <p:spPr/>
+        <p:txBody>
+          <a:bodyPr/>
+          <a:lstStyle/>
+          <a:p>
+            <a:r>
+              <a:rPr lang="fr-BE" dirty="0"/>
+              <a:t>Mise en situation n°2</a:t>
+            </a:r>
+          </a:p>
+        </p:txBody>
+      </p:sp>
+      <p:sp>
+        <p:nvSpPr>
+          <p:cNvPr id="3" name="Espace réservé du texte 2">
+            <a:extLst>
+              <a:ext uri="{FF2B5EF4-FFF2-40B4-BE49-F238E27FC236}">
+                <a16:creationId xmlns:a16="http://schemas.microsoft.com/office/drawing/2014/main" id="{4224D4FA-406A-46F5-8641-E42EAA2859F2}"/>
+              </a:ext>
+            </a:extLst>
+          </p:cNvPr>
+          <p:cNvSpPr>
+            <a:spLocks noGrp="1"/>
+          </p:cNvSpPr>
+          <p:nvPr>
+            <p:ph type="body" idx="1"/>
+          </p:nvPr>
+        </p:nvSpPr>
+        <p:spPr/>
+        <p:txBody>
+          <a:bodyPr/>
+          <a:lstStyle/>
+          <a:p>
+            <a:r>
+              <a:rPr lang="fr-BE" dirty="0"/>
+              <a:t>Random forest</a:t>
+            </a:r>
+          </a:p>
+        </p:txBody>
+      </p:sp>
+      <p:sp>
+        <p:nvSpPr>
+          <p:cNvPr id="4" name="Espace réservé du pied de page 3">
+            <a:extLst>
+              <a:ext uri="{FF2B5EF4-FFF2-40B4-BE49-F238E27FC236}">
+                <a16:creationId xmlns:a16="http://schemas.microsoft.com/office/drawing/2014/main" id="{51703DFD-686C-450B-9E8B-4667818B5A1F}"/>
+              </a:ext>
+            </a:extLst>
+          </p:cNvPr>
+          <p:cNvSpPr>
+            <a:spLocks noGrp="1"/>
+          </p:cNvSpPr>
+          <p:nvPr>
+            <p:ph type="ftr" sz="quarter" idx="11"/>
+          </p:nvPr>
+        </p:nvSpPr>
+        <p:spPr/>
+        <p:txBody>
+          <a:bodyPr/>
+          <a:lstStyle/>
+          <a:p>
+            <a:r>
+              <a:rPr lang="fr-BE"/>
+              <a:t>Live coding sur le machine learning</a:t>
+            </a:r>
+          </a:p>
+        </p:txBody>
+      </p:sp>
+      <p:sp>
+        <p:nvSpPr>
+          <p:cNvPr id="5" name="Espace réservé du numéro de diapositive 4">
+            <a:extLst>
+              <a:ext uri="{FF2B5EF4-FFF2-40B4-BE49-F238E27FC236}">
+                <a16:creationId xmlns:a16="http://schemas.microsoft.com/office/drawing/2014/main" id="{C066CD4B-8307-46B4-85D3-823A92242B9F}"/>
+              </a:ext>
+            </a:extLst>
+          </p:cNvPr>
+          <p:cNvSpPr>
+            <a:spLocks noGrp="1"/>
+          </p:cNvSpPr>
+          <p:nvPr>
+            <p:ph type="sldNum" sz="quarter" idx="12"/>
+          </p:nvPr>
+        </p:nvSpPr>
+        <p:spPr/>
+        <p:txBody>
+          <a:bodyPr/>
+          <a:lstStyle/>
+          <a:p>
+            <a:fld id="{1786CA3C-090E-4C54-8D23-EF251525DFE6}" type="slidenum">
+              <a:rPr lang="fr-BE" smtClean="0"/>
+              <a:t>8</a:t>
+            </a:fld>
+            <a:endParaRPr lang="fr-BE"/>
+          </a:p>
+        </p:txBody>
+      </p:sp>
+      <p:pic>
+        <p:nvPicPr>
+          <p:cNvPr id="6" name="Image 5">
+            <a:extLst>
+              <a:ext uri="{FF2B5EF4-FFF2-40B4-BE49-F238E27FC236}">
+                <a16:creationId xmlns:a16="http://schemas.microsoft.com/office/drawing/2014/main" id="{02BFB233-D699-4750-BC49-F7EB35D78D46}"/>
+              </a:ext>
+            </a:extLst>
+          </p:cNvPr>
+          <p:cNvPicPr>
+            <a:picLocks noChangeAspect="1"/>
+          </p:cNvPicPr>
+          <p:nvPr/>
+        </p:nvPicPr>
+        <p:blipFill>
+          <a:blip r:embed="rId2">
+            <a:extLst>
+              <a:ext uri="{28A0092B-C50C-407E-A947-70E740481C1C}">
+                <a14:useLocalDpi xmlns:a14="http://schemas.microsoft.com/office/drawing/2010/main" val="0"/>
+              </a:ext>
+            </a:extLst>
+          </a:blip>
+          <a:stretch>
+            <a:fillRect/>
+          </a:stretch>
+        </p:blipFill>
+        <p:spPr>
+          <a:xfrm>
+            <a:off x="10561077" y="244081"/>
+            <a:ext cx="1367388" cy="1367388"/>
+          </a:xfrm>
+          <a:prstGeom prst="rect">
+            <a:avLst/>
+          </a:prstGeom>
+        </p:spPr>
+      </p:pic>
+    </p:spTree>
+    <p:extLst>
+      <p:ext uri="{BB962C8B-B14F-4D97-AF65-F5344CB8AC3E}">
+        <p14:creationId xmlns:p14="http://schemas.microsoft.com/office/powerpoint/2010/main" val="4169111966"/>
+      </p:ext>
+    </p:extLst>
+  </p:cSld>
+  <p:clrMapOvr>
+    <a:masterClrMapping/>
+  </p:clrMapOvr>
+</p:sld>
+</file>
+
+<file path=ppt/slides/slide9.xml><?xml version="1.0" encoding="utf-8"?>
+<p:sld xmlns:a="http://schemas.openxmlformats.org/drawingml/2006/main" xmlns:r="http://schemas.openxmlformats.org/officeDocument/2006/relationships" xmlns:p="http://schemas.openxmlformats.org/presentationml/2006/main">
+  <p:cSld>
+    <p:spTree>
+      <p:nvGrpSpPr>
+        <p:cNvPr id="1" name=""/>
+        <p:cNvGrpSpPr/>
+        <p:nvPr/>
+      </p:nvGrpSpPr>
+      <p:grpSpPr>
+        <a:xfrm>
+          <a:off x="0" y="0"/>
+          <a:ext cx="0" cy="0"/>
+          <a:chOff x="0" y="0"/>
+          <a:chExt cx="0" cy="0"/>
+        </a:xfrm>
+      </p:grpSpPr>
+      <p:sp>
+        <p:nvSpPr>
+          <p:cNvPr id="2" name="Titre 1">
+            <a:extLst>
+              <a:ext uri="{FF2B5EF4-FFF2-40B4-BE49-F238E27FC236}">
+                <a16:creationId xmlns:a16="http://schemas.microsoft.com/office/drawing/2014/main" id="{DC3D9B59-194F-49D3-B2F0-0534E95B6B45}"/>
+              </a:ext>
+            </a:extLst>
+          </p:cNvPr>
+          <p:cNvSpPr>
+            <a:spLocks noGrp="1"/>
+          </p:cNvSpPr>
+          <p:nvPr>
+            <p:ph type="title"/>
+          </p:nvPr>
+        </p:nvSpPr>
+        <p:spPr/>
+        <p:txBody>
+          <a:bodyPr>
+            <a:normAutofit fontScale="90000"/>
+          </a:bodyPr>
+          <a:lstStyle/>
+          <a:p>
+            <a:r>
+              <a:rPr lang="fr-BE" dirty="0"/>
+              <a:t>2. Random forest</a:t>
+            </a:r>
+            <a:br>
+              <a:rPr lang="fr-BE" dirty="0"/>
+            </a:br>
+            <a:r>
+              <a:rPr lang="fr-BE" dirty="0"/>
+              <a:t>A. Importation des données + visualisation </a:t>
+            </a:r>
+          </a:p>
+        </p:txBody>
+      </p:sp>
+      <p:pic>
+        <p:nvPicPr>
+          <p:cNvPr id="8" name="Espace réservé du contenu 7">
+            <a:extLst>
+              <a:ext uri="{FF2B5EF4-FFF2-40B4-BE49-F238E27FC236}">
+                <a16:creationId xmlns:a16="http://schemas.microsoft.com/office/drawing/2014/main" id="{24C7A9A0-59BE-448A-AD12-BB83E202F2F0}"/>
+              </a:ext>
+            </a:extLst>
+          </p:cNvPr>
+          <p:cNvPicPr>
+            <a:picLocks noGrp="1" noChangeAspect="1"/>
+          </p:cNvPicPr>
+          <p:nvPr>
+            <p:ph idx="1"/>
+          </p:nvPr>
+        </p:nvPicPr>
+        <p:blipFill>
+          <a:blip r:embed="rId2"/>
+          <a:stretch>
+            <a:fillRect/>
+          </a:stretch>
+        </p:blipFill>
+        <p:spPr>
+          <a:xfrm>
+            <a:off x="1064405" y="2524566"/>
+            <a:ext cx="2210108" cy="371527"/>
+          </a:xfrm>
+        </p:spPr>
+      </p:pic>
+      <p:sp>
+        <p:nvSpPr>
+          <p:cNvPr id="4" name="Espace réservé du pied de page 3">
+            <a:extLst>
+              <a:ext uri="{FF2B5EF4-FFF2-40B4-BE49-F238E27FC236}">
+                <a16:creationId xmlns:a16="http://schemas.microsoft.com/office/drawing/2014/main" id="{E3808830-8EAD-4788-969F-F20481A1EF2F}"/>
+              </a:ext>
+            </a:extLst>
+          </p:cNvPr>
+          <p:cNvSpPr>
+            <a:spLocks noGrp="1"/>
+          </p:cNvSpPr>
+          <p:nvPr>
+            <p:ph type="ftr" sz="quarter" idx="11"/>
+          </p:nvPr>
+        </p:nvSpPr>
+        <p:spPr/>
+        <p:txBody>
+          <a:bodyPr/>
+          <a:lstStyle/>
+          <a:p>
+            <a:r>
+              <a:rPr lang="fr-BE"/>
+              <a:t>Live coding sur le machine learning</a:t>
+            </a:r>
+          </a:p>
+        </p:txBody>
+      </p:sp>
+      <p:sp>
+        <p:nvSpPr>
+          <p:cNvPr id="5" name="Espace réservé du numéro de diapositive 4">
+            <a:extLst>
+              <a:ext uri="{FF2B5EF4-FFF2-40B4-BE49-F238E27FC236}">
+                <a16:creationId xmlns:a16="http://schemas.microsoft.com/office/drawing/2014/main" id="{16DD3223-7130-46FA-8BEE-8CFC9CAA3286}"/>
+              </a:ext>
+            </a:extLst>
+          </p:cNvPr>
+          <p:cNvSpPr>
+            <a:spLocks noGrp="1"/>
+          </p:cNvSpPr>
+          <p:nvPr>
+            <p:ph type="sldNum" sz="quarter" idx="12"/>
+          </p:nvPr>
+        </p:nvSpPr>
+        <p:spPr/>
+        <p:txBody>
+          <a:bodyPr/>
+          <a:lstStyle/>
+          <a:p>
+            <a:fld id="{1786CA3C-090E-4C54-8D23-EF251525DFE6}" type="slidenum">
+              <a:rPr lang="fr-BE" smtClean="0"/>
+              <a:t>9</a:t>
+            </a:fld>
+            <a:endParaRPr lang="fr-BE"/>
+          </a:p>
+        </p:txBody>
+      </p:sp>
+      <p:pic>
+        <p:nvPicPr>
+          <p:cNvPr id="16" name="Image 15">
+            <a:extLst>
+              <a:ext uri="{FF2B5EF4-FFF2-40B4-BE49-F238E27FC236}">
+                <a16:creationId xmlns:a16="http://schemas.microsoft.com/office/drawing/2014/main" id="{509BFD04-1472-448C-978D-2A1A496593F1}"/>
+              </a:ext>
+            </a:extLst>
+          </p:cNvPr>
+          <p:cNvPicPr>
+            <a:picLocks noChangeAspect="1"/>
+          </p:cNvPicPr>
+          <p:nvPr/>
+        </p:nvPicPr>
+        <p:blipFill>
+          <a:blip r:embed="rId3"/>
+          <a:stretch>
+            <a:fillRect/>
+          </a:stretch>
+        </p:blipFill>
+        <p:spPr>
+          <a:xfrm>
+            <a:off x="8143458" y="3613191"/>
+            <a:ext cx="3278399" cy="2635209"/>
+          </a:xfrm>
+          <a:prstGeom prst="rect">
+            <a:avLst/>
+          </a:prstGeom>
+        </p:spPr>
+      </p:pic>
+      <p:pic>
+        <p:nvPicPr>
+          <p:cNvPr id="6" name="Image 5">
+            <a:extLst>
+              <a:ext uri="{FF2B5EF4-FFF2-40B4-BE49-F238E27FC236}">
+                <a16:creationId xmlns:a16="http://schemas.microsoft.com/office/drawing/2014/main" id="{5A88473A-6B77-45B1-96A8-62D5FB5DCE3D}"/>
+              </a:ext>
+            </a:extLst>
+          </p:cNvPr>
+          <p:cNvPicPr>
+            <a:picLocks noChangeAspect="1"/>
+          </p:cNvPicPr>
+          <p:nvPr/>
+        </p:nvPicPr>
+        <p:blipFill>
+          <a:blip r:embed="rId4">
+            <a:extLst>
+              <a:ext uri="{28A0092B-C50C-407E-A947-70E740481C1C}">
+                <a14:useLocalDpi xmlns:a14="http://schemas.microsoft.com/office/drawing/2010/main" val="0"/>
+              </a:ext>
+            </a:extLst>
+          </a:blip>
+          <a:stretch>
+            <a:fillRect/>
+          </a:stretch>
+        </p:blipFill>
+        <p:spPr>
+          <a:xfrm>
+            <a:off x="10561077" y="244081"/>
+            <a:ext cx="1367388" cy="1367388"/>
+          </a:xfrm>
+          <a:prstGeom prst="rect">
+            <a:avLst/>
+          </a:prstGeom>
+        </p:spPr>
+      </p:pic>
+      <p:pic>
+        <p:nvPicPr>
+          <p:cNvPr id="10" name="Image 9">
+            <a:extLst>
+              <a:ext uri="{FF2B5EF4-FFF2-40B4-BE49-F238E27FC236}">
+                <a16:creationId xmlns:a16="http://schemas.microsoft.com/office/drawing/2014/main" id="{AB2FEA74-216E-4080-A043-8D7A85F7B967}"/>
+              </a:ext>
+            </a:extLst>
+          </p:cNvPr>
+          <p:cNvPicPr>
+            <a:picLocks noChangeAspect="1"/>
+          </p:cNvPicPr>
+          <p:nvPr/>
+        </p:nvPicPr>
+        <p:blipFill>
+          <a:blip r:embed="rId5"/>
+          <a:stretch>
+            <a:fillRect/>
+          </a:stretch>
+        </p:blipFill>
+        <p:spPr>
+          <a:xfrm>
+            <a:off x="1064405" y="2953400"/>
+            <a:ext cx="3067478" cy="1629002"/>
+          </a:xfrm>
+          <a:prstGeom prst="rect">
+            <a:avLst/>
+          </a:prstGeom>
+        </p:spPr>
+      </p:pic>
+      <p:pic>
+        <p:nvPicPr>
+          <p:cNvPr id="12" name="Image 11">
+            <a:extLst>
+              <a:ext uri="{FF2B5EF4-FFF2-40B4-BE49-F238E27FC236}">
+                <a16:creationId xmlns:a16="http://schemas.microsoft.com/office/drawing/2014/main" id="{AD97CD93-7982-4CD0-B65B-9EBFFFDE38DC}"/>
+              </a:ext>
+            </a:extLst>
+          </p:cNvPr>
+          <p:cNvPicPr>
+            <a:picLocks noChangeAspect="1"/>
+          </p:cNvPicPr>
+          <p:nvPr/>
+        </p:nvPicPr>
+        <p:blipFill>
+          <a:blip r:embed="rId6"/>
+          <a:stretch>
+            <a:fillRect/>
+          </a:stretch>
+        </p:blipFill>
+        <p:spPr>
+          <a:xfrm>
+            <a:off x="1064405" y="4667029"/>
+            <a:ext cx="3734321" cy="1581371"/>
+          </a:xfrm>
+          <a:prstGeom prst="rect">
+            <a:avLst/>
+          </a:prstGeom>
+        </p:spPr>
+      </p:pic>
+      <p:pic>
+        <p:nvPicPr>
+          <p:cNvPr id="14" name="Image 13">
+            <a:extLst>
+              <a:ext uri="{FF2B5EF4-FFF2-40B4-BE49-F238E27FC236}">
+                <a16:creationId xmlns:a16="http://schemas.microsoft.com/office/drawing/2014/main" id="{F1BEC0A6-19B5-4090-BEEE-DE366E37C8FD}"/>
+              </a:ext>
+            </a:extLst>
+          </p:cNvPr>
+          <p:cNvPicPr>
+            <a:picLocks noChangeAspect="1"/>
+          </p:cNvPicPr>
+          <p:nvPr/>
+        </p:nvPicPr>
+        <p:blipFill>
+          <a:blip r:embed="rId7"/>
+          <a:stretch>
+            <a:fillRect/>
+          </a:stretch>
+        </p:blipFill>
+        <p:spPr>
+          <a:xfrm>
+            <a:off x="4798726" y="2516533"/>
+            <a:ext cx="4534533" cy="1781424"/>
+          </a:xfrm>
+          <a:prstGeom prst="rect">
+            <a:avLst/>
+          </a:prstGeom>
+        </p:spPr>
+      </p:pic>
+    </p:spTree>
+    <p:extLst>
+      <p:ext uri="{BB962C8B-B14F-4D97-AF65-F5344CB8AC3E}">
+        <p14:creationId xmlns:p14="http://schemas.microsoft.com/office/powerpoint/2010/main" val="782607719"/>
       </p:ext>
     </p:extLst>
   </p:cSld>
@@ -6672,4 +10385,299 @@
     </a:ext>
   </a:extLst>
 </a:theme>
+</file>
+
+<file path=ppt/theme/theme2.xml><?xml version="1.0" encoding="utf-8"?>
+<a:theme xmlns:a="http://schemas.openxmlformats.org/drawingml/2006/main" name="Thème Office">
+  <a:themeElements>
+    <a:clrScheme name="Office">
+      <a:dk1>
+        <a:sysClr val="windowText" lastClr="000000"/>
+      </a:dk1>
+      <a:lt1>
+        <a:sysClr val="window" lastClr="FFFFFF"/>
+      </a:lt1>
+      <a:dk2>
+        <a:srgbClr val="44546A"/>
+      </a:dk2>
+      <a:lt2>
+        <a:srgbClr val="E7E6E6"/>
+      </a:lt2>
+      <a:accent1>
+        <a:srgbClr val="4472C4"/>
+      </a:accent1>
+      <a:accent2>
+        <a:srgbClr val="ED7D31"/>
+      </a:accent2>
+      <a:accent3>
+        <a:srgbClr val="A5A5A5"/>
+      </a:accent3>
+      <a:accent4>
+        <a:srgbClr val="FFC000"/>
+      </a:accent4>
+      <a:accent5>
+        <a:srgbClr val="5B9BD5"/>
+      </a:accent5>
+      <a:accent6>
+        <a:srgbClr val="70AD47"/>
+      </a:accent6>
+      <a:hlink>
+        <a:srgbClr val="0563C1"/>
+      </a:hlink>
+      <a:folHlink>
+        <a:srgbClr val="954F72"/>
+      </a:folHlink>
+    </a:clrScheme>
+    <a:fontScheme name="Office">
+      <a:majorFont>
+        <a:latin typeface="Calibri Light" panose="020F0302020204030204"/>
+        <a:ea typeface=""/>
+        <a:cs typeface=""/>
+        <a:font script="Jpan" typeface="游ゴシック Light"/>
+        <a:font script="Hang" typeface="맑은 고딕"/>
+        <a:font script="Hans" typeface="等线 Light"/>
+        <a:font script="Hant" typeface="新細明體"/>
+        <a:font script="Arab" typeface="Times New Roman"/>
+        <a:font script="Hebr" typeface="Times New Roman"/>
+        <a:font script="Thai" typeface="Angsana New"/>
+        <a:font script="Ethi" typeface="Nyala"/>
+        <a:font script="Beng" typeface="Vrinda"/>
+        <a:font script="Gujr" typeface="Shruti"/>
+        <a:font script="Khmr" typeface="MoolBoran"/>
+        <a:font script="Knda" typeface="Tunga"/>
+        <a:font script="Guru" typeface="Raavi"/>
+        <a:font script="Cans" typeface="Euphemia"/>
+        <a:font script="Cher" typeface="Plantagenet Cherokee"/>
+        <a:font script="Yiii" typeface="Microsoft Yi Baiti"/>
+        <a:font script="Tibt" typeface="Microsoft Himalaya"/>
+        <a:font script="Thaa" typeface="MV Boli"/>
+        <a:font script="Deva" typeface="Mangal"/>
+        <a:font script="Telu" typeface="Gautami"/>
+        <a:font script="Taml" typeface="Latha"/>
+        <a:font script="Syrc" typeface="Estrangelo Edessa"/>
+        <a:font script="Orya" typeface="Kalinga"/>
+        <a:font script="Mlym" typeface="Kartika"/>
+        <a:font script="Laoo" typeface="DokChampa"/>
+        <a:font script="Sinh" typeface="Iskoola Pota"/>
+        <a:font script="Mong" typeface="Mongolian Baiti"/>
+        <a:font script="Viet" typeface="Times New Roman"/>
+        <a:font script="Uigh" typeface="Microsoft Uighur"/>
+        <a:font script="Geor" typeface="Sylfaen"/>
+        <a:font script="Armn" typeface="Arial"/>
+        <a:font script="Bugi" typeface="Leelawadee UI"/>
+        <a:font script="Bopo" typeface="Microsoft JhengHei"/>
+        <a:font script="Java" typeface="Javanese Text"/>
+        <a:font script="Lisu" typeface="Segoe UI"/>
+        <a:font script="Mymr" typeface="Myanmar Text"/>
+        <a:font script="Nkoo" typeface="Ebrima"/>
+        <a:font script="Olck" typeface="Nirmala UI"/>
+        <a:font script="Osma" typeface="Ebrima"/>
+        <a:font script="Phag" typeface="Phagspa"/>
+        <a:font script="Syrn" typeface="Estrangelo Edessa"/>
+        <a:font script="Syrj" typeface="Estrangelo Edessa"/>
+        <a:font script="Syre" typeface="Estrangelo Edessa"/>
+        <a:font script="Sora" typeface="Nirmala UI"/>
+        <a:font script="Tale" typeface="Microsoft Tai Le"/>
+        <a:font script="Talu" typeface="Microsoft New Tai Lue"/>
+        <a:font script="Tfng" typeface="Ebrima"/>
+      </a:majorFont>
+      <a:minorFont>
+        <a:latin typeface="Calibri" panose="020F0502020204030204"/>
+        <a:ea typeface=""/>
+        <a:cs typeface=""/>
+        <a:font script="Jpan" typeface="游ゴシック"/>
+        <a:font script="Hang" typeface="맑은 고딕"/>
+        <a:font script="Hans" typeface="等线"/>
+        <a:font script="Hant" typeface="新細明體"/>
+        <a:font script="Arab" typeface="Arial"/>
+        <a:font script="Hebr" typeface="Arial"/>
+        <a:font script="Thai" typeface="Cordia New"/>
+        <a:font script="Ethi" typeface="Nyala"/>
+        <a:font script="Beng" typeface="Vrinda"/>
+        <a:font script="Gujr" typeface="Shruti"/>
+        <a:font script="Khmr" typeface="DaunPenh"/>
+        <a:font script="Knda" typeface="Tunga"/>
+        <a:font script="Guru" typeface="Raavi"/>
+        <a:font script="Cans" typeface="Euphemia"/>
+        <a:font script="Cher" typeface="Plantagenet Cherokee"/>
+        <a:font script="Yiii" typeface="Microsoft Yi Baiti"/>
+        <a:font script="Tibt" typeface="Microsoft Himalaya"/>
+        <a:font script="Thaa" typeface="MV Boli"/>
+        <a:font script="Deva" typeface="Mangal"/>
+        <a:font script="Telu" typeface="Gautami"/>
+        <a:font script="Taml" typeface="Latha"/>
+        <a:font script="Syrc" typeface="Estrangelo Edessa"/>
+        <a:font script="Orya" typeface="Kalinga"/>
+        <a:font script="Mlym" typeface="Kartika"/>
+        <a:font script="Laoo" typeface="DokChampa"/>
+        <a:font script="Sinh" typeface="Iskoola Pota"/>
+        <a:font script="Mong" typeface="Mongolian Baiti"/>
+        <a:font script="Viet" typeface="Arial"/>
+        <a:font script="Uigh" typeface="Microsoft Uighur"/>
+        <a:font script="Geor" typeface="Sylfaen"/>
+        <a:font script="Armn" typeface="Arial"/>
+        <a:font script="Bugi" typeface="Leelawadee UI"/>
+        <a:font script="Bopo" typeface="Microsoft JhengHei"/>
+        <a:font script="Java" typeface="Javanese Text"/>
+        <a:font script="Lisu" typeface="Segoe UI"/>
+        <a:font script="Mymr" typeface="Myanmar Text"/>
+        <a:font script="Nkoo" typeface="Ebrima"/>
+        <a:font script="Olck" typeface="Nirmala UI"/>
+        <a:font script="Osma" typeface="Ebrima"/>
+        <a:font script="Phag" typeface="Phagspa"/>
+        <a:font script="Syrn" typeface="Estrangelo Edessa"/>
+        <a:font script="Syrj" typeface="Estrangelo Edessa"/>
+        <a:font script="Syre" typeface="Estrangelo Edessa"/>
+        <a:font script="Sora" typeface="Nirmala UI"/>
+        <a:font script="Tale" typeface="Microsoft Tai Le"/>
+        <a:font script="Talu" typeface="Microsoft New Tai Lue"/>
+        <a:font script="Tfng" typeface="Ebrima"/>
+      </a:minorFont>
+    </a:fontScheme>
+    <a:fmtScheme name="Office">
+      <a:fillStyleLst>
+        <a:solidFill>
+          <a:schemeClr val="phClr"/>
+        </a:solidFill>
+        <a:gradFill rotWithShape="1">
+          <a:gsLst>
+            <a:gs pos="0">
+              <a:schemeClr val="phClr">
+                <a:lumMod val="110000"/>
+                <a:satMod val="105000"/>
+                <a:tint val="67000"/>
+              </a:schemeClr>
+            </a:gs>
+            <a:gs pos="50000">
+              <a:schemeClr val="phClr">
+                <a:lumMod val="105000"/>
+                <a:satMod val="103000"/>
+                <a:tint val="73000"/>
+              </a:schemeClr>
+            </a:gs>
+            <a:gs pos="100000">
+              <a:schemeClr val="phClr">
+                <a:lumMod val="105000"/>
+                <a:satMod val="109000"/>
+                <a:tint val="81000"/>
+              </a:schemeClr>
+            </a:gs>
+          </a:gsLst>
+          <a:lin ang="5400000" scaled="0"/>
+        </a:gradFill>
+        <a:gradFill rotWithShape="1">
+          <a:gsLst>
+            <a:gs pos="0">
+              <a:schemeClr val="phClr">
+                <a:satMod val="103000"/>
+                <a:lumMod val="102000"/>
+                <a:tint val="94000"/>
+              </a:schemeClr>
+            </a:gs>
+            <a:gs pos="50000">
+              <a:schemeClr val="phClr">
+                <a:satMod val="110000"/>
+                <a:lumMod val="100000"/>
+                <a:shade val="100000"/>
+              </a:schemeClr>
+            </a:gs>
+            <a:gs pos="100000">
+              <a:schemeClr val="phClr">
+                <a:lumMod val="99000"/>
+                <a:satMod val="120000"/>
+                <a:shade val="78000"/>
+              </a:schemeClr>
+            </a:gs>
+          </a:gsLst>
+          <a:lin ang="5400000" scaled="0"/>
+        </a:gradFill>
+      </a:fillStyleLst>
+      <a:lnStyleLst>
+        <a:ln w="6350" cap="flat" cmpd="sng" algn="ctr">
+          <a:solidFill>
+            <a:schemeClr val="phClr"/>
+          </a:solidFill>
+          <a:prstDash val="solid"/>
+          <a:miter lim="800000"/>
+        </a:ln>
+        <a:ln w="12700" cap="flat" cmpd="sng" algn="ctr">
+          <a:solidFill>
+            <a:schemeClr val="phClr"/>
+          </a:solidFill>
+          <a:prstDash val="solid"/>
+          <a:miter lim="800000"/>
+        </a:ln>
+        <a:ln w="19050" cap="flat" cmpd="sng" algn="ctr">
+          <a:solidFill>
+            <a:schemeClr val="phClr"/>
+          </a:solidFill>
+          <a:prstDash val="solid"/>
+          <a:miter lim="800000"/>
+        </a:ln>
+      </a:lnStyleLst>
+      <a:effectStyleLst>
+        <a:effectStyle>
+          <a:effectLst/>
+        </a:effectStyle>
+        <a:effectStyle>
+          <a:effectLst/>
+        </a:effectStyle>
+        <a:effectStyle>
+          <a:effectLst>
+            <a:outerShdw blurRad="57150" dist="19050" dir="5400000" algn="ctr" rotWithShape="0">
+              <a:srgbClr val="000000">
+                <a:alpha val="63000"/>
+              </a:srgbClr>
+            </a:outerShdw>
+          </a:effectLst>
+        </a:effectStyle>
+      </a:effectStyleLst>
+      <a:bgFillStyleLst>
+        <a:solidFill>
+          <a:schemeClr val="phClr"/>
+        </a:solidFill>
+        <a:solidFill>
+          <a:schemeClr val="phClr">
+            <a:tint val="95000"/>
+            <a:satMod val="170000"/>
+          </a:schemeClr>
+        </a:solidFill>
+        <a:gradFill rotWithShape="1">
+          <a:gsLst>
+            <a:gs pos="0">
+              <a:schemeClr val="phClr">
+                <a:tint val="93000"/>
+                <a:satMod val="150000"/>
+                <a:shade val="98000"/>
+                <a:lumMod val="102000"/>
+              </a:schemeClr>
+            </a:gs>
+            <a:gs pos="50000">
+              <a:schemeClr val="phClr">
+                <a:tint val="98000"/>
+                <a:satMod val="130000"/>
+                <a:shade val="90000"/>
+                <a:lumMod val="103000"/>
+              </a:schemeClr>
+            </a:gs>
+            <a:gs pos="100000">
+              <a:schemeClr val="phClr">
+                <a:shade val="63000"/>
+                <a:satMod val="120000"/>
+              </a:schemeClr>
+            </a:gs>
+          </a:gsLst>
+          <a:lin ang="5400000" scaled="0"/>
+        </a:gradFill>
+      </a:bgFillStyleLst>
+    </a:fmtScheme>
+  </a:themeElements>
+  <a:objectDefaults/>
+  <a:extraClrSchemeLst/>
+  <a:extLst>
+    <a:ext uri="{05A4C25C-085E-4340-85A3-A5531E510DB2}">
+      <thm15:themeFamily xmlns:thm15="http://schemas.microsoft.com/office/thememl/2012/main" name="Office Theme" id="{62F939B6-93AF-4DB8-9C6B-D6C7DFDC589F}" vid="{4A3C46E8-61CC-4603-A589-7422A47A8E4A}"/>
+    </a:ext>
+  </a:extLst>
+</a:theme>
 </file>